--- a/Team_B/발표자료/반복문,조간문기본.pptx
+++ b/Team_B/발표자료/반복문,조간문기본.pptx
@@ -5,7 +5,7 @@
     <p:sldMasterId id="2147483648" r:id="rId1"/>
   </p:sldMasterIdLst>
   <p:notesMasterIdLst>
-    <p:notesMasterId r:id="rId20"/>
+    <p:notesMasterId r:id="rId28"/>
   </p:notesMasterIdLst>
   <p:sldIdLst>
     <p:sldId id="1610" r:id="rId2"/>
@@ -25,7 +25,15 @@
     <p:sldId id="1685" r:id="rId16"/>
     <p:sldId id="1687" r:id="rId17"/>
     <p:sldId id="1686" r:id="rId18"/>
-    <p:sldId id="1614" r:id="rId19"/>
+    <p:sldId id="1688" r:id="rId19"/>
+    <p:sldId id="1689" r:id="rId20"/>
+    <p:sldId id="1690" r:id="rId21"/>
+    <p:sldId id="1691" r:id="rId22"/>
+    <p:sldId id="1692" r:id="rId23"/>
+    <p:sldId id="1693" r:id="rId24"/>
+    <p:sldId id="1694" r:id="rId25"/>
+    <p:sldId id="1695" r:id="rId26"/>
+    <p:sldId id="1614" r:id="rId27"/>
   </p:sldIdLst>
   <p:sldSz cx="12192000" cy="6858000"/>
   <p:notesSz cx="6735763" cy="9866313"/>
@@ -240,7 +248,7 @@
           <a:p>
             <a:fld id="{A80DAABF-6B89-410E-81F4-13A52FA46F91}" type="datetimeFigureOut">
               <a:rPr lang="ko-KR" altLang="en-US" smtClean="0"/>
-              <a:t>2021-11-03</a:t>
+              <a:t>2021-11-11</a:t>
             </a:fld>
             <a:endParaRPr lang="ko-KR" altLang="en-US"/>
           </a:p>
@@ -673,7 +681,7 @@
           <a:p>
             <a:fld id="{D260B755-F5A3-475D-980C-EE8E6B2AEAA3}" type="datetimeFigureOut">
               <a:rPr lang="ko-KR" altLang="en-US" smtClean="0"/>
-              <a:t>2021-11-03</a:t>
+              <a:t>2021-11-11</a:t>
             </a:fld>
             <a:endParaRPr lang="ko-KR" altLang="en-US"/>
           </a:p>
@@ -881,7 +889,7 @@
           <a:p>
             <a:fld id="{D260B755-F5A3-475D-980C-EE8E6B2AEAA3}" type="datetimeFigureOut">
               <a:rPr lang="ko-KR" altLang="en-US" smtClean="0"/>
-              <a:t>2021-11-03</a:t>
+              <a:t>2021-11-11</a:t>
             </a:fld>
             <a:endParaRPr lang="ko-KR" altLang="en-US"/>
           </a:p>
@@ -1581,7 +1589,7 @@
           <a:p>
             <a:fld id="{D260B755-F5A3-475D-980C-EE8E6B2AEAA3}" type="datetimeFigureOut">
               <a:rPr lang="ko-KR" altLang="en-US" smtClean="0"/>
-              <a:t>2021-11-03</a:t>
+              <a:t>2021-11-11</a:t>
             </a:fld>
             <a:endParaRPr lang="ko-KR" altLang="en-US"/>
           </a:p>
@@ -1993,7 +2001,7 @@
           <a:p>
             <a:fld id="{D260B755-F5A3-475D-980C-EE8E6B2AEAA3}" type="datetimeFigureOut">
               <a:rPr lang="ko-KR" altLang="en-US" smtClean="0"/>
-              <a:t>2021-11-03</a:t>
+              <a:t>2021-11-11</a:t>
             </a:fld>
             <a:endParaRPr lang="ko-KR" altLang="en-US"/>
           </a:p>
@@ -2134,7 +2142,7 @@
           <a:p>
             <a:fld id="{D260B755-F5A3-475D-980C-EE8E6B2AEAA3}" type="datetimeFigureOut">
               <a:rPr lang="ko-KR" altLang="en-US" smtClean="0"/>
-              <a:t>2021-11-03</a:t>
+              <a:t>2021-11-11</a:t>
             </a:fld>
             <a:endParaRPr lang="ko-KR" altLang="en-US"/>
           </a:p>
@@ -2247,7 +2255,7 @@
           <a:p>
             <a:fld id="{D260B755-F5A3-475D-980C-EE8E6B2AEAA3}" type="datetimeFigureOut">
               <a:rPr lang="ko-KR" altLang="en-US" smtClean="0"/>
-              <a:t>2021-11-03</a:t>
+              <a:t>2021-11-11</a:t>
             </a:fld>
             <a:endParaRPr lang="ko-KR" altLang="en-US"/>
           </a:p>
@@ -2558,7 +2566,7 @@
           <a:p>
             <a:fld id="{D260B755-F5A3-475D-980C-EE8E6B2AEAA3}" type="datetimeFigureOut">
               <a:rPr lang="ko-KR" altLang="en-US" smtClean="0"/>
-              <a:t>2021-11-03</a:t>
+              <a:t>2021-11-11</a:t>
             </a:fld>
             <a:endParaRPr lang="ko-KR" altLang="en-US"/>
           </a:p>
@@ -2846,7 +2854,7 @@
           <a:p>
             <a:fld id="{D260B755-F5A3-475D-980C-EE8E6B2AEAA3}" type="datetimeFigureOut">
               <a:rPr lang="ko-KR" altLang="en-US" smtClean="0"/>
-              <a:t>2021-11-03</a:t>
+              <a:t>2021-11-11</a:t>
             </a:fld>
             <a:endParaRPr lang="ko-KR" altLang="en-US"/>
           </a:p>
@@ -3087,7 +3095,7 @@
           <a:p>
             <a:fld id="{D260B755-F5A3-475D-980C-EE8E6B2AEAA3}" type="datetimeFigureOut">
               <a:rPr lang="ko-KR" altLang="en-US" smtClean="0"/>
-              <a:t>2021-11-03</a:t>
+              <a:t>2021-11-11</a:t>
             </a:fld>
             <a:endParaRPr lang="ko-KR" altLang="en-US"/>
           </a:p>
@@ -6059,104 +6067,285 @@
           <a:chExt cx="0" cy="0"/>
         </a:xfrm>
       </p:grpSpPr>
+      <p:grpSp>
+        <p:nvGrpSpPr>
+          <p:cNvPr id="2" name="그룹 1"/>
+          <p:cNvGrpSpPr/>
+          <p:nvPr/>
+        </p:nvGrpSpPr>
+        <p:grpSpPr>
+          <a:xfrm>
+            <a:off x="281940" y="85117"/>
+            <a:ext cx="11602120" cy="385353"/>
+            <a:chOff x="281940" y="85117"/>
+            <a:chExt cx="11602120" cy="385353"/>
+          </a:xfrm>
+        </p:grpSpPr>
+        <p:sp>
+          <p:nvSpPr>
+            <p:cNvPr id="13" name="TextBox 12">
+              <a:extLst>
+                <a:ext uri="{FF2B5EF4-FFF2-40B4-BE49-F238E27FC236}">
+                  <a16:creationId xmlns:a16="http://schemas.microsoft.com/office/drawing/2014/main" id="{15CE7E43-96D7-4310-8BD4-167DFCAA433C}"/>
+                </a:ext>
+              </a:extLst>
+            </p:cNvPr>
+            <p:cNvSpPr txBox="1"/>
+            <p:nvPr/>
+          </p:nvSpPr>
+          <p:spPr>
+            <a:xfrm>
+              <a:off x="281940" y="101138"/>
+              <a:ext cx="2247731" cy="369332"/>
+            </a:xfrm>
+            <a:prstGeom prst="rect">
+              <a:avLst/>
+            </a:prstGeom>
+            <a:noFill/>
+          </p:spPr>
+          <p:txBody>
+            <a:bodyPr wrap="none" rtlCol="0">
+              <a:spAutoFit/>
+            </a:bodyPr>
+            <a:lstStyle/>
+            <a:p>
+              <a:r>
+                <a:rPr lang="en-US" altLang="ko-KR" dirty="0">
+                  <a:latin typeface="KoPubWorld돋움체 Bold" panose="00000800000000000000" pitchFamily="2" charset="-127"/>
+                  <a:ea typeface="KoPubWorld돋움체 Bold" panose="00000800000000000000" pitchFamily="2" charset="-127"/>
+                  <a:cs typeface="KoPubWorld돋움체 Bold" panose="00000800000000000000" pitchFamily="2" charset="-127"/>
+                </a:rPr>
+                <a:t>3.</a:t>
+              </a:r>
+              <a:r>
+                <a:rPr lang="ko-KR" altLang="en-US" dirty="0">
+                  <a:latin typeface="KoPubWorld돋움체 Bold" panose="00000800000000000000" pitchFamily="2" charset="-127"/>
+                  <a:ea typeface="KoPubWorld돋움체 Bold" panose="00000800000000000000" pitchFamily="2" charset="-127"/>
+                  <a:cs typeface="KoPubWorld돋움체 Bold" panose="00000800000000000000" pitchFamily="2" charset="-127"/>
+                </a:rPr>
+                <a:t>함수 </a:t>
+              </a:r>
+              <a:r>
+                <a:rPr lang="en-US" altLang="ko-KR" dirty="0">
+                  <a:latin typeface="KoPubWorld돋움체 Bold" panose="00000800000000000000" pitchFamily="2" charset="-127"/>
+                  <a:ea typeface="KoPubWorld돋움체 Bold" panose="00000800000000000000" pitchFamily="2" charset="-127"/>
+                  <a:cs typeface="KoPubWorld돋움체 Bold" panose="00000800000000000000" pitchFamily="2" charset="-127"/>
+                </a:rPr>
+                <a:t>def </a:t>
+              </a:r>
+              <a:r>
+                <a:rPr lang="ko-KR" altLang="en-US" dirty="0">
+                  <a:latin typeface="KoPubWorld돋움체 Bold" panose="00000800000000000000" pitchFamily="2" charset="-127"/>
+                  <a:ea typeface="KoPubWorld돋움체 Bold" panose="00000800000000000000" pitchFamily="2" charset="-127"/>
+                  <a:cs typeface="KoPubWorld돋움체 Bold" panose="00000800000000000000" pitchFamily="2" charset="-127"/>
+                </a:rPr>
+                <a:t>사용하기</a:t>
+              </a:r>
+            </a:p>
+          </p:txBody>
+        </p:sp>
+        <p:sp>
+          <p:nvSpPr>
+            <p:cNvPr id="14" name="TextBox 13">
+              <a:extLst>
+                <a:ext uri="{FF2B5EF4-FFF2-40B4-BE49-F238E27FC236}">
+                  <a16:creationId xmlns:a16="http://schemas.microsoft.com/office/drawing/2014/main" id="{15CE7E43-96D7-4310-8BD4-167DFCAA433C}"/>
+                </a:ext>
+              </a:extLst>
+            </p:cNvPr>
+            <p:cNvSpPr txBox="1"/>
+            <p:nvPr/>
+          </p:nvSpPr>
+          <p:spPr>
+            <a:xfrm>
+              <a:off x="8535066" y="85117"/>
+              <a:ext cx="3348994" cy="369332"/>
+            </a:xfrm>
+            <a:prstGeom prst="rect">
+              <a:avLst/>
+            </a:prstGeom>
+            <a:noFill/>
+          </p:spPr>
+          <p:txBody>
+            <a:bodyPr wrap="none" rtlCol="0">
+              <a:spAutoFit/>
+            </a:bodyPr>
+            <a:lstStyle/>
+            <a:p>
+              <a:pPr algn="r"/>
+              <a:r>
+                <a:rPr lang="ko-KR" altLang="en-US" dirty="0">
+                  <a:solidFill>
+                    <a:schemeClr val="bg1"/>
+                  </a:solidFill>
+                  <a:latin typeface="KoPubWorld돋움체 Bold" panose="00000800000000000000" pitchFamily="2" charset="-127"/>
+                  <a:ea typeface="KoPubWorld돋움체 Bold" panose="00000800000000000000" pitchFamily="2" charset="-127"/>
+                  <a:cs typeface="KoPubWorld돋움체 Bold" panose="00000800000000000000" pitchFamily="2" charset="-127"/>
+                </a:rPr>
+                <a:t>경남대학교 데이터분석 동아리</a:t>
+              </a:r>
+            </a:p>
+          </p:txBody>
+        </p:sp>
+      </p:grpSp>
       <p:sp>
         <p:nvSpPr>
-          <p:cNvPr id="2" name="직사각형 1"/>
-          <p:cNvSpPr/>
+          <p:cNvPr id="5" name="TextBox 4">
+            <a:extLst>
+              <a:ext uri="{FF2B5EF4-FFF2-40B4-BE49-F238E27FC236}">
+                <a16:creationId xmlns:a16="http://schemas.microsoft.com/office/drawing/2014/main" id="{447E25BA-5834-4ACE-9BBF-7B006FBC5A38}"/>
+              </a:ext>
+            </a:extLst>
+          </p:cNvPr>
+          <p:cNvSpPr txBox="1"/>
           <p:nvPr/>
         </p:nvSpPr>
         <p:spPr>
           <a:xfrm>
-            <a:off x="0" y="0"/>
-            <a:ext cx="12192000" cy="6858000"/>
+            <a:off x="281940" y="785674"/>
+            <a:ext cx="7164280" cy="369332"/>
           </a:xfrm>
           <a:prstGeom prst="rect">
             <a:avLst/>
           </a:prstGeom>
-          <a:solidFill>
-            <a:srgbClr val="404040"/>
-          </a:solidFill>
-          <a:ln>
-            <a:noFill/>
-          </a:ln>
-        </p:spPr>
-        <p:style>
-          <a:lnRef idx="2">
-            <a:schemeClr val="accent1">
-              <a:shade val="50000"/>
-            </a:schemeClr>
-          </a:lnRef>
-          <a:fillRef idx="1">
-            <a:schemeClr val="accent1"/>
-          </a:fillRef>
-          <a:effectRef idx="0">
-            <a:schemeClr val="accent1"/>
-          </a:effectRef>
-          <a:fontRef idx="minor">
-            <a:schemeClr val="lt1"/>
-          </a:fontRef>
-        </p:style>
+          <a:noFill/>
+        </p:spPr>
         <p:txBody>
-          <a:bodyPr rtlCol="0" anchor="ctr"/>
+          <a:bodyPr wrap="square" rtlCol="0">
+            <a:spAutoFit/>
+          </a:bodyPr>
           <a:lstStyle/>
           <a:p>
-            <a:pPr algn="ctr"/>
-            <a:endParaRPr lang="ko-KR" altLang="en-US"/>
+            <a:r>
+              <a:rPr lang="ko-KR" altLang="en-US" b="1" dirty="0"/>
+              <a:t>함수 </a:t>
+            </a:r>
+            <a:r>
+              <a:rPr lang="en-US" altLang="ko-KR" b="1" dirty="0"/>
+              <a:t>def</a:t>
+            </a:r>
+            <a:r>
+              <a:rPr lang="ko-KR" altLang="en-US" b="1" dirty="0"/>
+              <a:t>란 무엇인가</a:t>
+            </a:r>
           </a:p>
         </p:txBody>
       </p:sp>
       <p:sp>
         <p:nvSpPr>
-          <p:cNvPr id="7" name="직사각형 6"/>
-          <p:cNvSpPr/>
+          <p:cNvPr id="6" name="TextBox 5">
+            <a:extLst>
+              <a:ext uri="{FF2B5EF4-FFF2-40B4-BE49-F238E27FC236}">
+                <a16:creationId xmlns:a16="http://schemas.microsoft.com/office/drawing/2014/main" id="{DA04E0E7-09B6-4130-B6E7-24CB152487CF}"/>
+              </a:ext>
+            </a:extLst>
+          </p:cNvPr>
+          <p:cNvSpPr txBox="1"/>
           <p:nvPr/>
         </p:nvSpPr>
         <p:spPr>
           <a:xfrm>
-            <a:off x="4443413" y="1781175"/>
-            <a:ext cx="3305175" cy="3295650"/>
+            <a:off x="363984" y="1393794"/>
+            <a:ext cx="11520076" cy="369332"/>
           </a:xfrm>
           <a:prstGeom prst="rect">
             <a:avLst/>
           </a:prstGeom>
           <a:noFill/>
-          <a:ln>
-            <a:solidFill>
-              <a:srgbClr val="DCAC37"/>
-            </a:solidFill>
-          </a:ln>
-        </p:spPr>
-        <p:style>
-          <a:lnRef idx="2">
-            <a:schemeClr val="accent1">
-              <a:shade val="50000"/>
-            </a:schemeClr>
-          </a:lnRef>
-          <a:fillRef idx="1">
-            <a:schemeClr val="accent1"/>
-          </a:fillRef>
-          <a:effectRef idx="0">
-            <a:schemeClr val="accent1"/>
-          </a:effectRef>
-          <a:fontRef idx="minor">
-            <a:schemeClr val="lt1"/>
-          </a:fontRef>
-        </p:style>
+        </p:spPr>
         <p:txBody>
-          <a:bodyPr rtlCol="0" anchor="ctr"/>
+          <a:bodyPr wrap="square" rtlCol="0">
+            <a:spAutoFit/>
+          </a:bodyPr>
           <a:lstStyle/>
           <a:p>
+            <a:r>
+              <a:rPr lang="ko-KR" altLang="en-US" dirty="0"/>
+              <a:t>함수란 </a:t>
+            </a:r>
+            <a:r>
+              <a:rPr lang="ko-KR" altLang="en-US" dirty="0" err="1"/>
+              <a:t>입력값을</a:t>
+            </a:r>
+            <a:r>
+              <a:rPr lang="ko-KR" altLang="en-US" dirty="0"/>
+              <a:t> 가지고 어떤 일을 수행한 다음에 그 결과를 내어 주는 작업을 말한다</a:t>
+            </a:r>
+          </a:p>
+        </p:txBody>
+      </p:sp>
+      <p:pic>
+        <p:nvPicPr>
+          <p:cNvPr id="7" name="그림 6">
+            <a:extLst>
+              <a:ext uri="{FF2B5EF4-FFF2-40B4-BE49-F238E27FC236}">
+                <a16:creationId xmlns:a16="http://schemas.microsoft.com/office/drawing/2014/main" id="{2DF79B3D-DDD6-4712-A045-D6E514B71E3B}"/>
+              </a:ext>
+            </a:extLst>
+          </p:cNvPr>
+          <p:cNvPicPr>
+            <a:picLocks noChangeAspect="1"/>
+          </p:cNvPicPr>
+          <p:nvPr/>
+        </p:nvPicPr>
+        <p:blipFill>
+          <a:blip r:embed="rId2"/>
+          <a:stretch>
+            <a:fillRect/>
+          </a:stretch>
+        </p:blipFill>
+        <p:spPr>
+          <a:xfrm>
+            <a:off x="702141" y="2913245"/>
+            <a:ext cx="4251599" cy="2550961"/>
+          </a:xfrm>
+          <a:prstGeom prst="rect">
+            <a:avLst/>
+          </a:prstGeom>
+        </p:spPr>
+      </p:pic>
+      <p:sp>
+        <p:nvSpPr>
+          <p:cNvPr id="9" name="TextBox 8">
+            <a:extLst>
+              <a:ext uri="{FF2B5EF4-FFF2-40B4-BE49-F238E27FC236}">
+                <a16:creationId xmlns:a16="http://schemas.microsoft.com/office/drawing/2014/main" id="{6F711F20-CEA6-4A76-B901-8627F54C6B1E}"/>
+              </a:ext>
+            </a:extLst>
+          </p:cNvPr>
+          <p:cNvSpPr txBox="1"/>
+          <p:nvPr/>
+        </p:nvSpPr>
+        <p:spPr>
+          <a:xfrm>
+            <a:off x="928118" y="5754210"/>
+            <a:ext cx="3799643" cy="369332"/>
+          </a:xfrm>
+          <a:prstGeom prst="rect">
+            <a:avLst/>
+          </a:prstGeom>
+          <a:noFill/>
+        </p:spPr>
+        <p:txBody>
+          <a:bodyPr wrap="square" rtlCol="0">
+            <a:spAutoFit/>
+          </a:bodyPr>
+          <a:lstStyle/>
+          <a:p>
             <a:pPr algn="ctr"/>
-            <a:endParaRPr lang="ko-KR" altLang="en-US"/>
+            <a:r>
+              <a:rPr lang="ko-KR" altLang="en-US" dirty="0"/>
+              <a:t>함수의 기본 형태</a:t>
+            </a:r>
           </a:p>
         </p:txBody>
       </p:sp>
       <p:sp>
         <p:nvSpPr>
-          <p:cNvPr id="10" name="TextBox 9">
-            <a:extLst>
-              <a:ext uri="{FF2B5EF4-FFF2-40B4-BE49-F238E27FC236}">
-                <a16:creationId xmlns:a16="http://schemas.microsoft.com/office/drawing/2014/main" id="{9D1A08FC-B24C-4412-B89C-BEBC730739D7}"/>
+          <p:cNvPr id="12" name="TextBox 11">
+            <a:extLst>
+              <a:ext uri="{FF2B5EF4-FFF2-40B4-BE49-F238E27FC236}">
+                <a16:creationId xmlns:a16="http://schemas.microsoft.com/office/drawing/2014/main" id="{22AD06E3-45C5-425B-B7FA-2026AEC79966}"/>
               </a:ext>
             </a:extLst>
           </p:cNvPr>
@@ -6165,8 +6354,8 @@
         </p:nvSpPr>
         <p:spPr>
           <a:xfrm>
-            <a:off x="5334411" y="3198167"/>
-            <a:ext cx="1523174" cy="461665"/>
+            <a:off x="6635243" y="5754210"/>
+            <a:ext cx="3799643" cy="369332"/>
           </a:xfrm>
           <a:prstGeom prst="rect">
             <a:avLst/>
@@ -6174,42 +6363,383 @@
           <a:noFill/>
         </p:spPr>
         <p:txBody>
-          <a:bodyPr wrap="none" rtlCol="0">
+          <a:bodyPr wrap="square" rtlCol="0">
             <a:spAutoFit/>
           </a:bodyPr>
           <a:lstStyle/>
           <a:p>
             <a:pPr algn="ctr"/>
             <a:r>
-              <a:rPr lang="ko-KR" altLang="en-US" sz="2400" dirty="0">
-                <a:solidFill>
-                  <a:schemeClr val="bg1">
-                    <a:lumMod val="85000"/>
-                  </a:schemeClr>
-                </a:solidFill>
-                <a:latin typeface="KoPubWorld돋움체 Bold" panose="00000800000000000000" pitchFamily="2" charset="-127"/>
-                <a:ea typeface="KoPubWorld돋움체 Bold" panose="00000800000000000000" pitchFamily="2" charset="-127"/>
-                <a:cs typeface="KoPubWorld돋움체 Bold" panose="00000800000000000000" pitchFamily="2" charset="-127"/>
-              </a:rPr>
-              <a:t>감사합니다</a:t>
-            </a:r>
-            <a:endParaRPr lang="en-US" altLang="ko-KR" sz="2400" dirty="0">
-              <a:solidFill>
-                <a:schemeClr val="bg1">
-                  <a:lumMod val="85000"/>
-                </a:schemeClr>
-              </a:solidFill>
-              <a:latin typeface="KoPubWorld돋움체 Bold" panose="00000800000000000000" pitchFamily="2" charset="-127"/>
-              <a:ea typeface="KoPubWorld돋움체 Bold" panose="00000800000000000000" pitchFamily="2" charset="-127"/>
-              <a:cs typeface="KoPubWorld돋움체 Bold" panose="00000800000000000000" pitchFamily="2" charset="-127"/>
-            </a:endParaRPr>
+              <a:rPr lang="ko-KR" altLang="en-US" dirty="0"/>
+              <a:t>함수의 기본 형태 예시</a:t>
+            </a:r>
+          </a:p>
+        </p:txBody>
+      </p:sp>
+      <p:pic>
+        <p:nvPicPr>
+          <p:cNvPr id="15" name="그림 14">
+            <a:extLst>
+              <a:ext uri="{FF2B5EF4-FFF2-40B4-BE49-F238E27FC236}">
+                <a16:creationId xmlns:a16="http://schemas.microsoft.com/office/drawing/2014/main" id="{52E6DE36-4A71-42DE-9B03-487B042CC8F6}"/>
+              </a:ext>
+            </a:extLst>
+          </p:cNvPr>
+          <p:cNvPicPr>
+            <a:picLocks noChangeAspect="1"/>
+          </p:cNvPicPr>
+          <p:nvPr/>
+        </p:nvPicPr>
+        <p:blipFill>
+          <a:blip r:embed="rId3"/>
+          <a:stretch>
+            <a:fillRect/>
+          </a:stretch>
+        </p:blipFill>
+        <p:spPr>
+          <a:xfrm>
+            <a:off x="6411420" y="3019481"/>
+            <a:ext cx="4247287" cy="2338487"/>
+          </a:xfrm>
+          <a:prstGeom prst="rect">
+            <a:avLst/>
+          </a:prstGeom>
+        </p:spPr>
+      </p:pic>
+    </p:spTree>
+    <p:extLst>
+      <p:ext uri="{BB962C8B-B14F-4D97-AF65-F5344CB8AC3E}">
+        <p14:creationId xmlns:p14="http://schemas.microsoft.com/office/powerpoint/2010/main" val="3461405744"/>
+      </p:ext>
+    </p:extLst>
+  </p:cSld>
+  <p:clrMapOvr>
+    <a:masterClrMapping/>
+  </p:clrMapOvr>
+</p:sld>
+</file>
+
+<file path=ppt/slides/slide19.xml><?xml version="1.0" encoding="utf-8"?>
+<p:sld xmlns:a="http://schemas.openxmlformats.org/drawingml/2006/main" xmlns:r="http://schemas.openxmlformats.org/officeDocument/2006/relationships" xmlns:p="http://schemas.openxmlformats.org/presentationml/2006/main">
+  <p:cSld>
+    <p:spTree>
+      <p:nvGrpSpPr>
+        <p:cNvPr id="1" name=""/>
+        <p:cNvGrpSpPr/>
+        <p:nvPr/>
+      </p:nvGrpSpPr>
+      <p:grpSpPr>
+        <a:xfrm>
+          <a:off x="0" y="0"/>
+          <a:ext cx="0" cy="0"/>
+          <a:chOff x="0" y="0"/>
+          <a:chExt cx="0" cy="0"/>
+        </a:xfrm>
+      </p:grpSpPr>
+      <p:grpSp>
+        <p:nvGrpSpPr>
+          <p:cNvPr id="2" name="그룹 1"/>
+          <p:cNvGrpSpPr/>
+          <p:nvPr/>
+        </p:nvGrpSpPr>
+        <p:grpSpPr>
+          <a:xfrm>
+            <a:off x="281940" y="85117"/>
+            <a:ext cx="11602120" cy="385353"/>
+            <a:chOff x="281940" y="85117"/>
+            <a:chExt cx="11602120" cy="385353"/>
+          </a:xfrm>
+        </p:grpSpPr>
+        <p:sp>
+          <p:nvSpPr>
+            <p:cNvPr id="13" name="TextBox 12">
+              <a:extLst>
+                <a:ext uri="{FF2B5EF4-FFF2-40B4-BE49-F238E27FC236}">
+                  <a16:creationId xmlns:a16="http://schemas.microsoft.com/office/drawing/2014/main" id="{15CE7E43-96D7-4310-8BD4-167DFCAA433C}"/>
+                </a:ext>
+              </a:extLst>
+            </p:cNvPr>
+            <p:cNvSpPr txBox="1"/>
+            <p:nvPr/>
+          </p:nvSpPr>
+          <p:spPr>
+            <a:xfrm>
+              <a:off x="281940" y="101138"/>
+              <a:ext cx="2247731" cy="369332"/>
+            </a:xfrm>
+            <a:prstGeom prst="rect">
+              <a:avLst/>
+            </a:prstGeom>
+            <a:noFill/>
+          </p:spPr>
+          <p:txBody>
+            <a:bodyPr wrap="none" rtlCol="0">
+              <a:spAutoFit/>
+            </a:bodyPr>
+            <a:lstStyle/>
+            <a:p>
+              <a:r>
+                <a:rPr lang="en-US" altLang="ko-KR" dirty="0">
+                  <a:latin typeface="KoPubWorld돋움체 Bold" panose="00000800000000000000" pitchFamily="2" charset="-127"/>
+                  <a:ea typeface="KoPubWorld돋움체 Bold" panose="00000800000000000000" pitchFamily="2" charset="-127"/>
+                  <a:cs typeface="KoPubWorld돋움체 Bold" panose="00000800000000000000" pitchFamily="2" charset="-127"/>
+                </a:rPr>
+                <a:t>3.</a:t>
+              </a:r>
+              <a:r>
+                <a:rPr lang="ko-KR" altLang="en-US" dirty="0">
+                  <a:latin typeface="KoPubWorld돋움체 Bold" panose="00000800000000000000" pitchFamily="2" charset="-127"/>
+                  <a:ea typeface="KoPubWorld돋움체 Bold" panose="00000800000000000000" pitchFamily="2" charset="-127"/>
+                  <a:cs typeface="KoPubWorld돋움체 Bold" panose="00000800000000000000" pitchFamily="2" charset="-127"/>
+                </a:rPr>
+                <a:t>함수 </a:t>
+              </a:r>
+              <a:r>
+                <a:rPr lang="en-US" altLang="ko-KR" dirty="0">
+                  <a:latin typeface="KoPubWorld돋움체 Bold" panose="00000800000000000000" pitchFamily="2" charset="-127"/>
+                  <a:ea typeface="KoPubWorld돋움체 Bold" panose="00000800000000000000" pitchFamily="2" charset="-127"/>
+                  <a:cs typeface="KoPubWorld돋움체 Bold" panose="00000800000000000000" pitchFamily="2" charset="-127"/>
+                </a:rPr>
+                <a:t>def </a:t>
+              </a:r>
+              <a:r>
+                <a:rPr lang="ko-KR" altLang="en-US" dirty="0">
+                  <a:latin typeface="KoPubWorld돋움체 Bold" panose="00000800000000000000" pitchFamily="2" charset="-127"/>
+                  <a:ea typeface="KoPubWorld돋움체 Bold" panose="00000800000000000000" pitchFamily="2" charset="-127"/>
+                  <a:cs typeface="KoPubWorld돋움체 Bold" panose="00000800000000000000" pitchFamily="2" charset="-127"/>
+                </a:rPr>
+                <a:t>사용하기</a:t>
+              </a:r>
+            </a:p>
+          </p:txBody>
+        </p:sp>
+        <p:sp>
+          <p:nvSpPr>
+            <p:cNvPr id="14" name="TextBox 13">
+              <a:extLst>
+                <a:ext uri="{FF2B5EF4-FFF2-40B4-BE49-F238E27FC236}">
+                  <a16:creationId xmlns:a16="http://schemas.microsoft.com/office/drawing/2014/main" id="{15CE7E43-96D7-4310-8BD4-167DFCAA433C}"/>
+                </a:ext>
+              </a:extLst>
+            </p:cNvPr>
+            <p:cNvSpPr txBox="1"/>
+            <p:nvPr/>
+          </p:nvSpPr>
+          <p:spPr>
+            <a:xfrm>
+              <a:off x="8535066" y="85117"/>
+              <a:ext cx="3348994" cy="369332"/>
+            </a:xfrm>
+            <a:prstGeom prst="rect">
+              <a:avLst/>
+            </a:prstGeom>
+            <a:noFill/>
+          </p:spPr>
+          <p:txBody>
+            <a:bodyPr wrap="none" rtlCol="0">
+              <a:spAutoFit/>
+            </a:bodyPr>
+            <a:lstStyle/>
+            <a:p>
+              <a:pPr algn="r"/>
+              <a:r>
+                <a:rPr lang="ko-KR" altLang="en-US" dirty="0">
+                  <a:solidFill>
+                    <a:schemeClr val="bg1"/>
+                  </a:solidFill>
+                  <a:latin typeface="KoPubWorld돋움체 Bold" panose="00000800000000000000" pitchFamily="2" charset="-127"/>
+                  <a:ea typeface="KoPubWorld돋움체 Bold" panose="00000800000000000000" pitchFamily="2" charset="-127"/>
+                  <a:cs typeface="KoPubWorld돋움체 Bold" panose="00000800000000000000" pitchFamily="2" charset="-127"/>
+                </a:rPr>
+                <a:t>경남대학교 데이터분석 동아리</a:t>
+              </a:r>
+            </a:p>
+          </p:txBody>
+        </p:sp>
+      </p:grpSp>
+      <p:sp>
+        <p:nvSpPr>
+          <p:cNvPr id="5" name="TextBox 4">
+            <a:extLst>
+              <a:ext uri="{FF2B5EF4-FFF2-40B4-BE49-F238E27FC236}">
+                <a16:creationId xmlns:a16="http://schemas.microsoft.com/office/drawing/2014/main" id="{447E25BA-5834-4ACE-9BBF-7B006FBC5A38}"/>
+              </a:ext>
+            </a:extLst>
+          </p:cNvPr>
+          <p:cNvSpPr txBox="1"/>
+          <p:nvPr/>
+        </p:nvSpPr>
+        <p:spPr>
+          <a:xfrm>
+            <a:off x="281940" y="785674"/>
+            <a:ext cx="7164280" cy="369332"/>
+          </a:xfrm>
+          <a:prstGeom prst="rect">
+            <a:avLst/>
+          </a:prstGeom>
+          <a:noFill/>
+        </p:spPr>
+        <p:txBody>
+          <a:bodyPr wrap="square" rtlCol="0">
+            <a:spAutoFit/>
+          </a:bodyPr>
+          <a:lstStyle/>
+          <a:p>
+            <a:r>
+              <a:rPr lang="ko-KR" altLang="en-US" b="1" dirty="0"/>
+              <a:t>함수 </a:t>
+            </a:r>
+            <a:r>
+              <a:rPr lang="en-US" altLang="ko-KR" b="1" dirty="0"/>
+              <a:t>def</a:t>
+            </a:r>
+            <a:r>
+              <a:rPr lang="ko-KR" altLang="en-US" b="1" dirty="0"/>
+              <a:t> 사용법</a:t>
+            </a:r>
+          </a:p>
+        </p:txBody>
+      </p:sp>
+      <p:pic>
+        <p:nvPicPr>
+          <p:cNvPr id="10" name="그림 9">
+            <a:extLst>
+              <a:ext uri="{FF2B5EF4-FFF2-40B4-BE49-F238E27FC236}">
+                <a16:creationId xmlns:a16="http://schemas.microsoft.com/office/drawing/2014/main" id="{C6250B01-37F5-4295-A59B-75E9DE158E14}"/>
+              </a:ext>
+            </a:extLst>
+          </p:cNvPr>
+          <p:cNvPicPr>
+            <a:picLocks noChangeAspect="1"/>
+          </p:cNvPicPr>
+          <p:nvPr/>
+        </p:nvPicPr>
+        <p:blipFill>
+          <a:blip r:embed="rId2"/>
+          <a:stretch>
+            <a:fillRect/>
+          </a:stretch>
+        </p:blipFill>
+        <p:spPr>
+          <a:xfrm>
+            <a:off x="281940" y="1586081"/>
+            <a:ext cx="5204460" cy="4228793"/>
+          </a:xfrm>
+          <a:prstGeom prst="rect">
+            <a:avLst/>
+          </a:prstGeom>
+        </p:spPr>
+      </p:pic>
+      <p:sp>
+        <p:nvSpPr>
+          <p:cNvPr id="11" name="TextBox 10">
+            <a:extLst>
+              <a:ext uri="{FF2B5EF4-FFF2-40B4-BE49-F238E27FC236}">
+                <a16:creationId xmlns:a16="http://schemas.microsoft.com/office/drawing/2014/main" id="{2B24C4A3-E530-40A3-A46B-E18D1B0644E3}"/>
+              </a:ext>
+            </a:extLst>
+          </p:cNvPr>
+          <p:cNvSpPr txBox="1"/>
+          <p:nvPr/>
+        </p:nvSpPr>
+        <p:spPr>
+          <a:xfrm>
+            <a:off x="1171852" y="5992427"/>
+            <a:ext cx="4003830" cy="369332"/>
+          </a:xfrm>
+          <a:prstGeom prst="rect">
+            <a:avLst/>
+          </a:prstGeom>
+          <a:noFill/>
+        </p:spPr>
+        <p:txBody>
+          <a:bodyPr wrap="square" rtlCol="0">
+            <a:spAutoFit/>
+          </a:bodyPr>
+          <a:lstStyle/>
+          <a:p>
+            <a:pPr algn="ctr"/>
+            <a:r>
+              <a:rPr lang="ko-KR" altLang="en-US" dirty="0" err="1"/>
+              <a:t>입력값이</a:t>
+            </a:r>
+            <a:r>
+              <a:rPr lang="ko-KR" altLang="en-US" dirty="0"/>
+              <a:t> 없는 함수</a:t>
+            </a:r>
+          </a:p>
+        </p:txBody>
+      </p:sp>
+      <p:pic>
+        <p:nvPicPr>
+          <p:cNvPr id="15" name="그림 14">
+            <a:extLst>
+              <a:ext uri="{FF2B5EF4-FFF2-40B4-BE49-F238E27FC236}">
+                <a16:creationId xmlns:a16="http://schemas.microsoft.com/office/drawing/2014/main" id="{E7641A26-D786-4007-83A5-D8B46203C6EE}"/>
+              </a:ext>
+            </a:extLst>
+          </p:cNvPr>
+          <p:cNvPicPr>
+            <a:picLocks noChangeAspect="1"/>
+          </p:cNvPicPr>
+          <p:nvPr/>
+        </p:nvPicPr>
+        <p:blipFill>
+          <a:blip r:embed="rId3"/>
+          <a:stretch>
+            <a:fillRect/>
+          </a:stretch>
+        </p:blipFill>
+        <p:spPr>
+          <a:xfrm>
+            <a:off x="6705602" y="1586081"/>
+            <a:ext cx="5204458" cy="4228793"/>
+          </a:xfrm>
+          <a:prstGeom prst="rect">
+            <a:avLst/>
+          </a:prstGeom>
+        </p:spPr>
+      </p:pic>
+      <p:sp>
+        <p:nvSpPr>
+          <p:cNvPr id="16" name="TextBox 15">
+            <a:extLst>
+              <a:ext uri="{FF2B5EF4-FFF2-40B4-BE49-F238E27FC236}">
+                <a16:creationId xmlns:a16="http://schemas.microsoft.com/office/drawing/2014/main" id="{C7631482-8C26-4B48-9801-ADB005836185}"/>
+              </a:ext>
+            </a:extLst>
+          </p:cNvPr>
+          <p:cNvSpPr txBox="1"/>
+          <p:nvPr/>
+        </p:nvSpPr>
+        <p:spPr>
+          <a:xfrm>
+            <a:off x="8207648" y="5894372"/>
+            <a:ext cx="2933828" cy="369332"/>
+          </a:xfrm>
+          <a:prstGeom prst="rect">
+            <a:avLst/>
+          </a:prstGeom>
+          <a:noFill/>
+        </p:spPr>
+        <p:txBody>
+          <a:bodyPr wrap="square" rtlCol="0">
+            <a:spAutoFit/>
+          </a:bodyPr>
+          <a:lstStyle/>
+          <a:p>
+            <a:pPr algn="ctr"/>
+            <a:r>
+              <a:rPr lang="ko-KR" altLang="en-US" dirty="0"/>
+              <a:t>결과값이 없는 함수</a:t>
+            </a:r>
           </a:p>
         </p:txBody>
       </p:sp>
     </p:spTree>
     <p:extLst>
       <p:ext uri="{BB962C8B-B14F-4D97-AF65-F5344CB8AC3E}">
-        <p14:creationId xmlns:p14="http://schemas.microsoft.com/office/powerpoint/2010/main" val="3746785883"/>
+        <p14:creationId xmlns:p14="http://schemas.microsoft.com/office/powerpoint/2010/main" val="3905962048"/>
       </p:ext>
     </p:extLst>
   </p:cSld>
@@ -6519,6 +7049,2257 @@
     <p:extLst>
       <p:ext uri="{BB962C8B-B14F-4D97-AF65-F5344CB8AC3E}">
         <p14:creationId xmlns:p14="http://schemas.microsoft.com/office/powerpoint/2010/main" val="970710068"/>
+      </p:ext>
+    </p:extLst>
+  </p:cSld>
+  <p:clrMapOvr>
+    <a:masterClrMapping/>
+  </p:clrMapOvr>
+</p:sld>
+</file>
+
+<file path=ppt/slides/slide20.xml><?xml version="1.0" encoding="utf-8"?>
+<p:sld xmlns:a="http://schemas.openxmlformats.org/drawingml/2006/main" xmlns:r="http://schemas.openxmlformats.org/officeDocument/2006/relationships" xmlns:p="http://schemas.openxmlformats.org/presentationml/2006/main">
+  <p:cSld>
+    <p:spTree>
+      <p:nvGrpSpPr>
+        <p:cNvPr id="1" name=""/>
+        <p:cNvGrpSpPr/>
+        <p:nvPr/>
+      </p:nvGrpSpPr>
+      <p:grpSpPr>
+        <a:xfrm>
+          <a:off x="0" y="0"/>
+          <a:ext cx="0" cy="0"/>
+          <a:chOff x="0" y="0"/>
+          <a:chExt cx="0" cy="0"/>
+        </a:xfrm>
+      </p:grpSpPr>
+      <p:grpSp>
+        <p:nvGrpSpPr>
+          <p:cNvPr id="2" name="그룹 1"/>
+          <p:cNvGrpSpPr/>
+          <p:nvPr/>
+        </p:nvGrpSpPr>
+        <p:grpSpPr>
+          <a:xfrm>
+            <a:off x="281940" y="85117"/>
+            <a:ext cx="11602120" cy="385353"/>
+            <a:chOff x="281940" y="85117"/>
+            <a:chExt cx="11602120" cy="385353"/>
+          </a:xfrm>
+        </p:grpSpPr>
+        <p:sp>
+          <p:nvSpPr>
+            <p:cNvPr id="13" name="TextBox 12">
+              <a:extLst>
+                <a:ext uri="{FF2B5EF4-FFF2-40B4-BE49-F238E27FC236}">
+                  <a16:creationId xmlns:a16="http://schemas.microsoft.com/office/drawing/2014/main" id="{15CE7E43-96D7-4310-8BD4-167DFCAA433C}"/>
+                </a:ext>
+              </a:extLst>
+            </p:cNvPr>
+            <p:cNvSpPr txBox="1"/>
+            <p:nvPr/>
+          </p:nvSpPr>
+          <p:spPr>
+            <a:xfrm>
+              <a:off x="281940" y="101138"/>
+              <a:ext cx="2247731" cy="369332"/>
+            </a:xfrm>
+            <a:prstGeom prst="rect">
+              <a:avLst/>
+            </a:prstGeom>
+            <a:noFill/>
+          </p:spPr>
+          <p:txBody>
+            <a:bodyPr wrap="none" rtlCol="0">
+              <a:spAutoFit/>
+            </a:bodyPr>
+            <a:lstStyle/>
+            <a:p>
+              <a:r>
+                <a:rPr lang="en-US" altLang="ko-KR" dirty="0">
+                  <a:latin typeface="KoPubWorld돋움체 Bold" panose="00000800000000000000" pitchFamily="2" charset="-127"/>
+                  <a:ea typeface="KoPubWorld돋움체 Bold" panose="00000800000000000000" pitchFamily="2" charset="-127"/>
+                  <a:cs typeface="KoPubWorld돋움체 Bold" panose="00000800000000000000" pitchFamily="2" charset="-127"/>
+                </a:rPr>
+                <a:t>3.</a:t>
+              </a:r>
+              <a:r>
+                <a:rPr lang="ko-KR" altLang="en-US" dirty="0">
+                  <a:latin typeface="KoPubWorld돋움체 Bold" panose="00000800000000000000" pitchFamily="2" charset="-127"/>
+                  <a:ea typeface="KoPubWorld돋움체 Bold" panose="00000800000000000000" pitchFamily="2" charset="-127"/>
+                  <a:cs typeface="KoPubWorld돋움체 Bold" panose="00000800000000000000" pitchFamily="2" charset="-127"/>
+                </a:rPr>
+                <a:t>함수 </a:t>
+              </a:r>
+              <a:r>
+                <a:rPr lang="en-US" altLang="ko-KR" dirty="0">
+                  <a:latin typeface="KoPubWorld돋움체 Bold" panose="00000800000000000000" pitchFamily="2" charset="-127"/>
+                  <a:ea typeface="KoPubWorld돋움체 Bold" panose="00000800000000000000" pitchFamily="2" charset="-127"/>
+                  <a:cs typeface="KoPubWorld돋움체 Bold" panose="00000800000000000000" pitchFamily="2" charset="-127"/>
+                </a:rPr>
+                <a:t>def </a:t>
+              </a:r>
+              <a:r>
+                <a:rPr lang="ko-KR" altLang="en-US" dirty="0">
+                  <a:latin typeface="KoPubWorld돋움체 Bold" panose="00000800000000000000" pitchFamily="2" charset="-127"/>
+                  <a:ea typeface="KoPubWorld돋움체 Bold" panose="00000800000000000000" pitchFamily="2" charset="-127"/>
+                  <a:cs typeface="KoPubWorld돋움체 Bold" panose="00000800000000000000" pitchFamily="2" charset="-127"/>
+                </a:rPr>
+                <a:t>사용하기</a:t>
+              </a:r>
+            </a:p>
+          </p:txBody>
+        </p:sp>
+        <p:sp>
+          <p:nvSpPr>
+            <p:cNvPr id="14" name="TextBox 13">
+              <a:extLst>
+                <a:ext uri="{FF2B5EF4-FFF2-40B4-BE49-F238E27FC236}">
+                  <a16:creationId xmlns:a16="http://schemas.microsoft.com/office/drawing/2014/main" id="{15CE7E43-96D7-4310-8BD4-167DFCAA433C}"/>
+                </a:ext>
+              </a:extLst>
+            </p:cNvPr>
+            <p:cNvSpPr txBox="1"/>
+            <p:nvPr/>
+          </p:nvSpPr>
+          <p:spPr>
+            <a:xfrm>
+              <a:off x="8535066" y="85117"/>
+              <a:ext cx="3348994" cy="369332"/>
+            </a:xfrm>
+            <a:prstGeom prst="rect">
+              <a:avLst/>
+            </a:prstGeom>
+            <a:noFill/>
+          </p:spPr>
+          <p:txBody>
+            <a:bodyPr wrap="none" rtlCol="0">
+              <a:spAutoFit/>
+            </a:bodyPr>
+            <a:lstStyle/>
+            <a:p>
+              <a:pPr algn="r"/>
+              <a:r>
+                <a:rPr lang="ko-KR" altLang="en-US" dirty="0">
+                  <a:solidFill>
+                    <a:schemeClr val="bg1"/>
+                  </a:solidFill>
+                  <a:latin typeface="KoPubWorld돋움체 Bold" panose="00000800000000000000" pitchFamily="2" charset="-127"/>
+                  <a:ea typeface="KoPubWorld돋움체 Bold" panose="00000800000000000000" pitchFamily="2" charset="-127"/>
+                  <a:cs typeface="KoPubWorld돋움체 Bold" panose="00000800000000000000" pitchFamily="2" charset="-127"/>
+                </a:rPr>
+                <a:t>경남대학교 데이터분석 동아리</a:t>
+              </a:r>
+            </a:p>
+          </p:txBody>
+        </p:sp>
+      </p:grpSp>
+      <p:sp>
+        <p:nvSpPr>
+          <p:cNvPr id="5" name="TextBox 4">
+            <a:extLst>
+              <a:ext uri="{FF2B5EF4-FFF2-40B4-BE49-F238E27FC236}">
+                <a16:creationId xmlns:a16="http://schemas.microsoft.com/office/drawing/2014/main" id="{447E25BA-5834-4ACE-9BBF-7B006FBC5A38}"/>
+              </a:ext>
+            </a:extLst>
+          </p:cNvPr>
+          <p:cNvSpPr txBox="1"/>
+          <p:nvPr/>
+        </p:nvSpPr>
+        <p:spPr>
+          <a:xfrm>
+            <a:off x="281940" y="785674"/>
+            <a:ext cx="7164280" cy="369332"/>
+          </a:xfrm>
+          <a:prstGeom prst="rect">
+            <a:avLst/>
+          </a:prstGeom>
+          <a:noFill/>
+        </p:spPr>
+        <p:txBody>
+          <a:bodyPr wrap="square" rtlCol="0">
+            <a:spAutoFit/>
+          </a:bodyPr>
+          <a:lstStyle/>
+          <a:p>
+            <a:r>
+              <a:rPr lang="ko-KR" altLang="en-US" b="1" dirty="0"/>
+              <a:t>함수 </a:t>
+            </a:r>
+            <a:r>
+              <a:rPr lang="en-US" altLang="ko-KR" b="1" dirty="0"/>
+              <a:t>def</a:t>
+            </a:r>
+            <a:r>
+              <a:rPr lang="ko-KR" altLang="en-US" b="1" dirty="0"/>
+              <a:t> 사용법</a:t>
+            </a:r>
+          </a:p>
+        </p:txBody>
+      </p:sp>
+      <p:sp>
+        <p:nvSpPr>
+          <p:cNvPr id="11" name="TextBox 10">
+            <a:extLst>
+              <a:ext uri="{FF2B5EF4-FFF2-40B4-BE49-F238E27FC236}">
+                <a16:creationId xmlns:a16="http://schemas.microsoft.com/office/drawing/2014/main" id="{2B24C4A3-E530-40A3-A46B-E18D1B0644E3}"/>
+              </a:ext>
+            </a:extLst>
+          </p:cNvPr>
+          <p:cNvSpPr txBox="1"/>
+          <p:nvPr/>
+        </p:nvSpPr>
+        <p:spPr>
+          <a:xfrm>
+            <a:off x="726896" y="5729627"/>
+            <a:ext cx="4003830" cy="369332"/>
+          </a:xfrm>
+          <a:prstGeom prst="rect">
+            <a:avLst/>
+          </a:prstGeom>
+          <a:noFill/>
+        </p:spPr>
+        <p:txBody>
+          <a:bodyPr wrap="square" rtlCol="0">
+            <a:spAutoFit/>
+          </a:bodyPr>
+          <a:lstStyle/>
+          <a:p>
+            <a:pPr algn="ctr"/>
+            <a:r>
+              <a:rPr lang="ko-KR" altLang="en-US" dirty="0" err="1"/>
+              <a:t>입력값을</a:t>
+            </a:r>
+            <a:r>
+              <a:rPr lang="ko-KR" altLang="en-US" dirty="0"/>
+              <a:t> 여러 개 받는 함수</a:t>
+            </a:r>
+          </a:p>
+        </p:txBody>
+      </p:sp>
+      <p:sp>
+        <p:nvSpPr>
+          <p:cNvPr id="16" name="TextBox 15">
+            <a:extLst>
+              <a:ext uri="{FF2B5EF4-FFF2-40B4-BE49-F238E27FC236}">
+                <a16:creationId xmlns:a16="http://schemas.microsoft.com/office/drawing/2014/main" id="{C7631482-8C26-4B48-9801-ADB005836185}"/>
+              </a:ext>
+            </a:extLst>
+          </p:cNvPr>
+          <p:cNvSpPr txBox="1"/>
+          <p:nvPr/>
+        </p:nvSpPr>
+        <p:spPr>
+          <a:xfrm>
+            <a:off x="7581984" y="5686193"/>
+            <a:ext cx="2933828" cy="369332"/>
+          </a:xfrm>
+          <a:prstGeom prst="rect">
+            <a:avLst/>
+          </a:prstGeom>
+          <a:noFill/>
+        </p:spPr>
+        <p:txBody>
+          <a:bodyPr wrap="square" rtlCol="0">
+            <a:spAutoFit/>
+          </a:bodyPr>
+          <a:lstStyle/>
+          <a:p>
+            <a:pPr algn="ctr"/>
+            <a:r>
+              <a:rPr lang="ko-KR" altLang="en-US" dirty="0" err="1"/>
+              <a:t>여러조건의</a:t>
+            </a:r>
+            <a:r>
+              <a:rPr lang="ko-KR" altLang="en-US" dirty="0"/>
+              <a:t> 함수</a:t>
+            </a:r>
+          </a:p>
+        </p:txBody>
+      </p:sp>
+      <p:pic>
+        <p:nvPicPr>
+          <p:cNvPr id="3" name="그림 2">
+            <a:extLst>
+              <a:ext uri="{FF2B5EF4-FFF2-40B4-BE49-F238E27FC236}">
+                <a16:creationId xmlns:a16="http://schemas.microsoft.com/office/drawing/2014/main" id="{85FF146C-5FF3-45A0-8314-568AE1E0C1DF}"/>
+              </a:ext>
+            </a:extLst>
+          </p:cNvPr>
+          <p:cNvPicPr>
+            <a:picLocks noChangeAspect="1"/>
+          </p:cNvPicPr>
+          <p:nvPr/>
+        </p:nvPicPr>
+        <p:blipFill>
+          <a:blip r:embed="rId2"/>
+          <a:stretch>
+            <a:fillRect/>
+          </a:stretch>
+        </p:blipFill>
+        <p:spPr>
+          <a:xfrm>
+            <a:off x="281940" y="1470210"/>
+            <a:ext cx="4893742" cy="4211499"/>
+          </a:xfrm>
+          <a:prstGeom prst="rect">
+            <a:avLst/>
+          </a:prstGeom>
+        </p:spPr>
+      </p:pic>
+      <p:pic>
+        <p:nvPicPr>
+          <p:cNvPr id="4" name="그림 3">
+            <a:extLst>
+              <a:ext uri="{FF2B5EF4-FFF2-40B4-BE49-F238E27FC236}">
+                <a16:creationId xmlns:a16="http://schemas.microsoft.com/office/drawing/2014/main" id="{0A451F32-2CC5-483B-8809-802D1DEEF68A}"/>
+              </a:ext>
+            </a:extLst>
+          </p:cNvPr>
+          <p:cNvPicPr>
+            <a:picLocks noChangeAspect="1"/>
+          </p:cNvPicPr>
+          <p:nvPr/>
+        </p:nvPicPr>
+        <p:blipFill>
+          <a:blip r:embed="rId3"/>
+          <a:stretch>
+            <a:fillRect/>
+          </a:stretch>
+        </p:blipFill>
+        <p:spPr>
+          <a:xfrm>
+            <a:off x="6602027" y="1537085"/>
+            <a:ext cx="4893742" cy="4077747"/>
+          </a:xfrm>
+          <a:prstGeom prst="rect">
+            <a:avLst/>
+          </a:prstGeom>
+        </p:spPr>
+      </p:pic>
+    </p:spTree>
+    <p:extLst>
+      <p:ext uri="{BB962C8B-B14F-4D97-AF65-F5344CB8AC3E}">
+        <p14:creationId xmlns:p14="http://schemas.microsoft.com/office/powerpoint/2010/main" val="549693491"/>
+      </p:ext>
+    </p:extLst>
+  </p:cSld>
+  <p:clrMapOvr>
+    <a:masterClrMapping/>
+  </p:clrMapOvr>
+</p:sld>
+</file>
+
+<file path=ppt/slides/slide21.xml><?xml version="1.0" encoding="utf-8"?>
+<p:sld xmlns:a="http://schemas.openxmlformats.org/drawingml/2006/main" xmlns:r="http://schemas.openxmlformats.org/officeDocument/2006/relationships" xmlns:p="http://schemas.openxmlformats.org/presentationml/2006/main">
+  <p:cSld>
+    <p:spTree>
+      <p:nvGrpSpPr>
+        <p:cNvPr id="1" name=""/>
+        <p:cNvGrpSpPr/>
+        <p:nvPr/>
+      </p:nvGrpSpPr>
+      <p:grpSpPr>
+        <a:xfrm>
+          <a:off x="0" y="0"/>
+          <a:ext cx="0" cy="0"/>
+          <a:chOff x="0" y="0"/>
+          <a:chExt cx="0" cy="0"/>
+        </a:xfrm>
+      </p:grpSpPr>
+      <p:grpSp>
+        <p:nvGrpSpPr>
+          <p:cNvPr id="2" name="그룹 1"/>
+          <p:cNvGrpSpPr/>
+          <p:nvPr/>
+        </p:nvGrpSpPr>
+        <p:grpSpPr>
+          <a:xfrm>
+            <a:off x="281940" y="85117"/>
+            <a:ext cx="11602120" cy="385353"/>
+            <a:chOff x="281940" y="85117"/>
+            <a:chExt cx="11602120" cy="385353"/>
+          </a:xfrm>
+        </p:grpSpPr>
+        <p:sp>
+          <p:nvSpPr>
+            <p:cNvPr id="13" name="TextBox 12">
+              <a:extLst>
+                <a:ext uri="{FF2B5EF4-FFF2-40B4-BE49-F238E27FC236}">
+                  <a16:creationId xmlns:a16="http://schemas.microsoft.com/office/drawing/2014/main" id="{15CE7E43-96D7-4310-8BD4-167DFCAA433C}"/>
+                </a:ext>
+              </a:extLst>
+            </p:cNvPr>
+            <p:cNvSpPr txBox="1"/>
+            <p:nvPr/>
+          </p:nvSpPr>
+          <p:spPr>
+            <a:xfrm>
+              <a:off x="281940" y="101138"/>
+              <a:ext cx="2247731" cy="369332"/>
+            </a:xfrm>
+            <a:prstGeom prst="rect">
+              <a:avLst/>
+            </a:prstGeom>
+            <a:noFill/>
+          </p:spPr>
+          <p:txBody>
+            <a:bodyPr wrap="none" rtlCol="0">
+              <a:spAutoFit/>
+            </a:bodyPr>
+            <a:lstStyle/>
+            <a:p>
+              <a:r>
+                <a:rPr lang="en-US" altLang="ko-KR" dirty="0">
+                  <a:latin typeface="KoPubWorld돋움체 Bold" panose="00000800000000000000" pitchFamily="2" charset="-127"/>
+                  <a:ea typeface="KoPubWorld돋움체 Bold" panose="00000800000000000000" pitchFamily="2" charset="-127"/>
+                  <a:cs typeface="KoPubWorld돋움체 Bold" panose="00000800000000000000" pitchFamily="2" charset="-127"/>
+                </a:rPr>
+                <a:t>3.</a:t>
+              </a:r>
+              <a:r>
+                <a:rPr lang="ko-KR" altLang="en-US" dirty="0">
+                  <a:latin typeface="KoPubWorld돋움체 Bold" panose="00000800000000000000" pitchFamily="2" charset="-127"/>
+                  <a:ea typeface="KoPubWorld돋움체 Bold" panose="00000800000000000000" pitchFamily="2" charset="-127"/>
+                  <a:cs typeface="KoPubWorld돋움체 Bold" panose="00000800000000000000" pitchFamily="2" charset="-127"/>
+                </a:rPr>
+                <a:t>함수 </a:t>
+              </a:r>
+              <a:r>
+                <a:rPr lang="en-US" altLang="ko-KR" dirty="0">
+                  <a:latin typeface="KoPubWorld돋움체 Bold" panose="00000800000000000000" pitchFamily="2" charset="-127"/>
+                  <a:ea typeface="KoPubWorld돋움체 Bold" panose="00000800000000000000" pitchFamily="2" charset="-127"/>
+                  <a:cs typeface="KoPubWorld돋움체 Bold" panose="00000800000000000000" pitchFamily="2" charset="-127"/>
+                </a:rPr>
+                <a:t>def </a:t>
+              </a:r>
+              <a:r>
+                <a:rPr lang="ko-KR" altLang="en-US" dirty="0">
+                  <a:latin typeface="KoPubWorld돋움체 Bold" panose="00000800000000000000" pitchFamily="2" charset="-127"/>
+                  <a:ea typeface="KoPubWorld돋움체 Bold" panose="00000800000000000000" pitchFamily="2" charset="-127"/>
+                  <a:cs typeface="KoPubWorld돋움체 Bold" panose="00000800000000000000" pitchFamily="2" charset="-127"/>
+                </a:rPr>
+                <a:t>사용하기</a:t>
+              </a:r>
+            </a:p>
+          </p:txBody>
+        </p:sp>
+        <p:sp>
+          <p:nvSpPr>
+            <p:cNvPr id="14" name="TextBox 13">
+              <a:extLst>
+                <a:ext uri="{FF2B5EF4-FFF2-40B4-BE49-F238E27FC236}">
+                  <a16:creationId xmlns:a16="http://schemas.microsoft.com/office/drawing/2014/main" id="{15CE7E43-96D7-4310-8BD4-167DFCAA433C}"/>
+                </a:ext>
+              </a:extLst>
+            </p:cNvPr>
+            <p:cNvSpPr txBox="1"/>
+            <p:nvPr/>
+          </p:nvSpPr>
+          <p:spPr>
+            <a:xfrm>
+              <a:off x="8535066" y="85117"/>
+              <a:ext cx="3348994" cy="369332"/>
+            </a:xfrm>
+            <a:prstGeom prst="rect">
+              <a:avLst/>
+            </a:prstGeom>
+            <a:noFill/>
+          </p:spPr>
+          <p:txBody>
+            <a:bodyPr wrap="none" rtlCol="0">
+              <a:spAutoFit/>
+            </a:bodyPr>
+            <a:lstStyle/>
+            <a:p>
+              <a:pPr algn="r"/>
+              <a:r>
+                <a:rPr lang="ko-KR" altLang="en-US" dirty="0">
+                  <a:solidFill>
+                    <a:schemeClr val="bg1"/>
+                  </a:solidFill>
+                  <a:latin typeface="KoPubWorld돋움체 Bold" panose="00000800000000000000" pitchFamily="2" charset="-127"/>
+                  <a:ea typeface="KoPubWorld돋움체 Bold" panose="00000800000000000000" pitchFamily="2" charset="-127"/>
+                  <a:cs typeface="KoPubWorld돋움체 Bold" panose="00000800000000000000" pitchFamily="2" charset="-127"/>
+                </a:rPr>
+                <a:t>경남대학교 데이터분석 동아리</a:t>
+              </a:r>
+            </a:p>
+          </p:txBody>
+        </p:sp>
+      </p:grpSp>
+      <p:sp>
+        <p:nvSpPr>
+          <p:cNvPr id="5" name="TextBox 4">
+            <a:extLst>
+              <a:ext uri="{FF2B5EF4-FFF2-40B4-BE49-F238E27FC236}">
+                <a16:creationId xmlns:a16="http://schemas.microsoft.com/office/drawing/2014/main" id="{447E25BA-5834-4ACE-9BBF-7B006FBC5A38}"/>
+              </a:ext>
+            </a:extLst>
+          </p:cNvPr>
+          <p:cNvSpPr txBox="1"/>
+          <p:nvPr/>
+        </p:nvSpPr>
+        <p:spPr>
+          <a:xfrm>
+            <a:off x="281940" y="785674"/>
+            <a:ext cx="7164280" cy="369332"/>
+          </a:xfrm>
+          <a:prstGeom prst="rect">
+            <a:avLst/>
+          </a:prstGeom>
+          <a:noFill/>
+        </p:spPr>
+        <p:txBody>
+          <a:bodyPr wrap="square" rtlCol="0">
+            <a:spAutoFit/>
+          </a:bodyPr>
+          <a:lstStyle/>
+          <a:p>
+            <a:r>
+              <a:rPr lang="ko-KR" altLang="en-US" b="1" dirty="0"/>
+              <a:t>함수 </a:t>
+            </a:r>
+            <a:r>
+              <a:rPr lang="en-US" altLang="ko-KR" b="1" dirty="0"/>
+              <a:t>def</a:t>
+            </a:r>
+            <a:r>
+              <a:rPr lang="ko-KR" altLang="en-US" b="1" dirty="0"/>
+              <a:t> 결과값의 특징</a:t>
+            </a:r>
+          </a:p>
+        </p:txBody>
+      </p:sp>
+      <p:sp>
+        <p:nvSpPr>
+          <p:cNvPr id="11" name="TextBox 10">
+            <a:extLst>
+              <a:ext uri="{FF2B5EF4-FFF2-40B4-BE49-F238E27FC236}">
+                <a16:creationId xmlns:a16="http://schemas.microsoft.com/office/drawing/2014/main" id="{2B24C4A3-E530-40A3-A46B-E18D1B0644E3}"/>
+              </a:ext>
+            </a:extLst>
+          </p:cNvPr>
+          <p:cNvSpPr txBox="1"/>
+          <p:nvPr/>
+        </p:nvSpPr>
+        <p:spPr>
+          <a:xfrm>
+            <a:off x="4094085" y="5702994"/>
+            <a:ext cx="4003830" cy="369332"/>
+          </a:xfrm>
+          <a:prstGeom prst="rect">
+            <a:avLst/>
+          </a:prstGeom>
+          <a:noFill/>
+        </p:spPr>
+        <p:txBody>
+          <a:bodyPr wrap="square" rtlCol="0">
+            <a:spAutoFit/>
+          </a:bodyPr>
+          <a:lstStyle/>
+          <a:p>
+            <a:pPr algn="ctr"/>
+            <a:r>
+              <a:rPr lang="ko-KR" altLang="en-US"/>
+              <a:t>함수의 결과값은 언제나 하나이다</a:t>
+            </a:r>
+            <a:endParaRPr lang="ko-KR" altLang="en-US" dirty="0"/>
+          </a:p>
+        </p:txBody>
+      </p:sp>
+      <p:pic>
+        <p:nvPicPr>
+          <p:cNvPr id="6" name="그림 5">
+            <a:extLst>
+              <a:ext uri="{FF2B5EF4-FFF2-40B4-BE49-F238E27FC236}">
+                <a16:creationId xmlns:a16="http://schemas.microsoft.com/office/drawing/2014/main" id="{C4852237-4D8A-4BE3-85C9-27B3842E7DFA}"/>
+              </a:ext>
+            </a:extLst>
+          </p:cNvPr>
+          <p:cNvPicPr>
+            <a:picLocks noChangeAspect="1"/>
+          </p:cNvPicPr>
+          <p:nvPr/>
+        </p:nvPicPr>
+        <p:blipFill>
+          <a:blip r:embed="rId2"/>
+          <a:stretch>
+            <a:fillRect/>
+          </a:stretch>
+        </p:blipFill>
+        <p:spPr>
+          <a:xfrm>
+            <a:off x="632047" y="2110963"/>
+            <a:ext cx="4481491" cy="2851654"/>
+          </a:xfrm>
+          <a:prstGeom prst="rect">
+            <a:avLst/>
+          </a:prstGeom>
+        </p:spPr>
+      </p:pic>
+      <p:pic>
+        <p:nvPicPr>
+          <p:cNvPr id="7" name="그림 6">
+            <a:extLst>
+              <a:ext uri="{FF2B5EF4-FFF2-40B4-BE49-F238E27FC236}">
+                <a16:creationId xmlns:a16="http://schemas.microsoft.com/office/drawing/2014/main" id="{592A3C21-557B-4C7C-8775-0E19A5B6D4E9}"/>
+              </a:ext>
+            </a:extLst>
+          </p:cNvPr>
+          <p:cNvPicPr>
+            <a:picLocks noChangeAspect="1"/>
+          </p:cNvPicPr>
+          <p:nvPr/>
+        </p:nvPicPr>
+        <p:blipFill>
+          <a:blip r:embed="rId3"/>
+          <a:stretch>
+            <a:fillRect/>
+          </a:stretch>
+        </p:blipFill>
+        <p:spPr>
+          <a:xfrm>
+            <a:off x="7235939" y="2003173"/>
+            <a:ext cx="3772371" cy="2851653"/>
+          </a:xfrm>
+          <a:prstGeom prst="rect">
+            <a:avLst/>
+          </a:prstGeom>
+        </p:spPr>
+      </p:pic>
+    </p:spTree>
+    <p:extLst>
+      <p:ext uri="{BB962C8B-B14F-4D97-AF65-F5344CB8AC3E}">
+        <p14:creationId xmlns:p14="http://schemas.microsoft.com/office/powerpoint/2010/main" val="1969641603"/>
+      </p:ext>
+    </p:extLst>
+  </p:cSld>
+  <p:clrMapOvr>
+    <a:masterClrMapping/>
+  </p:clrMapOvr>
+</p:sld>
+</file>
+
+<file path=ppt/slides/slide22.xml><?xml version="1.0" encoding="utf-8"?>
+<p:sld xmlns:a="http://schemas.openxmlformats.org/drawingml/2006/main" xmlns:r="http://schemas.openxmlformats.org/officeDocument/2006/relationships" xmlns:p="http://schemas.openxmlformats.org/presentationml/2006/main">
+  <p:cSld>
+    <p:spTree>
+      <p:nvGrpSpPr>
+        <p:cNvPr id="1" name=""/>
+        <p:cNvGrpSpPr/>
+        <p:nvPr/>
+      </p:nvGrpSpPr>
+      <p:grpSpPr>
+        <a:xfrm>
+          <a:off x="0" y="0"/>
+          <a:ext cx="0" cy="0"/>
+          <a:chOff x="0" y="0"/>
+          <a:chExt cx="0" cy="0"/>
+        </a:xfrm>
+      </p:grpSpPr>
+      <p:grpSp>
+        <p:nvGrpSpPr>
+          <p:cNvPr id="2" name="그룹 1"/>
+          <p:cNvGrpSpPr/>
+          <p:nvPr/>
+        </p:nvGrpSpPr>
+        <p:grpSpPr>
+          <a:xfrm>
+            <a:off x="281940" y="85117"/>
+            <a:ext cx="11602120" cy="385353"/>
+            <a:chOff x="281940" y="85117"/>
+            <a:chExt cx="11602120" cy="385353"/>
+          </a:xfrm>
+        </p:grpSpPr>
+        <p:sp>
+          <p:nvSpPr>
+            <p:cNvPr id="13" name="TextBox 12">
+              <a:extLst>
+                <a:ext uri="{FF2B5EF4-FFF2-40B4-BE49-F238E27FC236}">
+                  <a16:creationId xmlns:a16="http://schemas.microsoft.com/office/drawing/2014/main" id="{15CE7E43-96D7-4310-8BD4-167DFCAA433C}"/>
+                </a:ext>
+              </a:extLst>
+            </p:cNvPr>
+            <p:cNvSpPr txBox="1"/>
+            <p:nvPr/>
+          </p:nvSpPr>
+          <p:spPr>
+            <a:xfrm>
+              <a:off x="281940" y="101138"/>
+              <a:ext cx="2199641" cy="369332"/>
+            </a:xfrm>
+            <a:prstGeom prst="rect">
+              <a:avLst/>
+            </a:prstGeom>
+            <a:noFill/>
+          </p:spPr>
+          <p:txBody>
+            <a:bodyPr wrap="none" rtlCol="0">
+              <a:spAutoFit/>
+            </a:bodyPr>
+            <a:lstStyle/>
+            <a:p>
+              <a:r>
+                <a:rPr lang="en-US" altLang="ko-KR" dirty="0">
+                  <a:latin typeface="KoPubWorld돋움체 Bold" panose="00000800000000000000" pitchFamily="2" charset="-127"/>
+                  <a:ea typeface="KoPubWorld돋움체 Bold" panose="00000800000000000000" pitchFamily="2" charset="-127"/>
+                  <a:cs typeface="KoPubWorld돋움체 Bold" panose="00000800000000000000" pitchFamily="2" charset="-127"/>
+                </a:rPr>
+                <a:t>4.Lambda </a:t>
+              </a:r>
+              <a:r>
+                <a:rPr lang="ko-KR" altLang="en-US" dirty="0">
+                  <a:latin typeface="KoPubWorld돋움체 Bold" panose="00000800000000000000" pitchFamily="2" charset="-127"/>
+                  <a:ea typeface="KoPubWorld돋움체 Bold" panose="00000800000000000000" pitchFamily="2" charset="-127"/>
+                  <a:cs typeface="KoPubWorld돋움체 Bold" panose="00000800000000000000" pitchFamily="2" charset="-127"/>
+                </a:rPr>
+                <a:t>사용하기</a:t>
+              </a:r>
+            </a:p>
+          </p:txBody>
+        </p:sp>
+        <p:sp>
+          <p:nvSpPr>
+            <p:cNvPr id="14" name="TextBox 13">
+              <a:extLst>
+                <a:ext uri="{FF2B5EF4-FFF2-40B4-BE49-F238E27FC236}">
+                  <a16:creationId xmlns:a16="http://schemas.microsoft.com/office/drawing/2014/main" id="{15CE7E43-96D7-4310-8BD4-167DFCAA433C}"/>
+                </a:ext>
+              </a:extLst>
+            </p:cNvPr>
+            <p:cNvSpPr txBox="1"/>
+            <p:nvPr/>
+          </p:nvSpPr>
+          <p:spPr>
+            <a:xfrm>
+              <a:off x="8535066" y="85117"/>
+              <a:ext cx="3348994" cy="369332"/>
+            </a:xfrm>
+            <a:prstGeom prst="rect">
+              <a:avLst/>
+            </a:prstGeom>
+            <a:noFill/>
+          </p:spPr>
+          <p:txBody>
+            <a:bodyPr wrap="none" rtlCol="0">
+              <a:spAutoFit/>
+            </a:bodyPr>
+            <a:lstStyle/>
+            <a:p>
+              <a:pPr algn="r"/>
+              <a:r>
+                <a:rPr lang="ko-KR" altLang="en-US" dirty="0">
+                  <a:solidFill>
+                    <a:schemeClr val="bg1"/>
+                  </a:solidFill>
+                  <a:latin typeface="KoPubWorld돋움체 Bold" panose="00000800000000000000" pitchFamily="2" charset="-127"/>
+                  <a:ea typeface="KoPubWorld돋움체 Bold" panose="00000800000000000000" pitchFamily="2" charset="-127"/>
+                  <a:cs typeface="KoPubWorld돋움체 Bold" panose="00000800000000000000" pitchFamily="2" charset="-127"/>
+                </a:rPr>
+                <a:t>경남대학교 데이터분석 동아리</a:t>
+              </a:r>
+            </a:p>
+          </p:txBody>
+        </p:sp>
+      </p:grpSp>
+      <p:sp>
+        <p:nvSpPr>
+          <p:cNvPr id="5" name="TextBox 4">
+            <a:extLst>
+              <a:ext uri="{FF2B5EF4-FFF2-40B4-BE49-F238E27FC236}">
+                <a16:creationId xmlns:a16="http://schemas.microsoft.com/office/drawing/2014/main" id="{447E25BA-5834-4ACE-9BBF-7B006FBC5A38}"/>
+              </a:ext>
+            </a:extLst>
+          </p:cNvPr>
+          <p:cNvSpPr txBox="1"/>
+          <p:nvPr/>
+        </p:nvSpPr>
+        <p:spPr>
+          <a:xfrm>
+            <a:off x="281940" y="785674"/>
+            <a:ext cx="7164280" cy="369332"/>
+          </a:xfrm>
+          <a:prstGeom prst="rect">
+            <a:avLst/>
+          </a:prstGeom>
+          <a:noFill/>
+        </p:spPr>
+        <p:txBody>
+          <a:bodyPr wrap="square" rtlCol="0">
+            <a:spAutoFit/>
+          </a:bodyPr>
+          <a:lstStyle/>
+          <a:p>
+            <a:r>
+              <a:rPr lang="en-US" altLang="ko-KR" b="1" dirty="0" err="1"/>
+              <a:t>Labbda</a:t>
+            </a:r>
+            <a:r>
+              <a:rPr lang="en-US" altLang="ko-KR" b="1" dirty="0"/>
+              <a:t> </a:t>
+            </a:r>
+            <a:r>
+              <a:rPr lang="ko-KR" altLang="en-US" b="1" dirty="0"/>
+              <a:t>사용하기</a:t>
+            </a:r>
+          </a:p>
+        </p:txBody>
+      </p:sp>
+      <p:sp>
+        <p:nvSpPr>
+          <p:cNvPr id="3" name="TextBox 2">
+            <a:extLst>
+              <a:ext uri="{FF2B5EF4-FFF2-40B4-BE49-F238E27FC236}">
+                <a16:creationId xmlns:a16="http://schemas.microsoft.com/office/drawing/2014/main" id="{B3D6B5AD-DC94-494B-A531-93D55943115D}"/>
+              </a:ext>
+            </a:extLst>
+          </p:cNvPr>
+          <p:cNvSpPr txBox="1"/>
+          <p:nvPr/>
+        </p:nvSpPr>
+        <p:spPr>
+          <a:xfrm>
+            <a:off x="461639" y="1384917"/>
+            <a:ext cx="11422421" cy="369332"/>
+          </a:xfrm>
+          <a:prstGeom prst="rect">
+            <a:avLst/>
+          </a:prstGeom>
+          <a:noFill/>
+        </p:spPr>
+        <p:txBody>
+          <a:bodyPr wrap="square" rtlCol="0">
+            <a:spAutoFit/>
+          </a:bodyPr>
+          <a:lstStyle/>
+          <a:p>
+            <a:r>
+              <a:rPr lang="en-US" altLang="ko-KR" dirty="0"/>
+              <a:t>Lambda</a:t>
+            </a:r>
+            <a:r>
+              <a:rPr lang="ko-KR" altLang="en-US" dirty="0"/>
+              <a:t>는 일반적인 함수를 좀 </a:t>
+            </a:r>
+            <a:r>
+              <a:rPr lang="ko-KR" altLang="en-US" dirty="0" err="1"/>
+              <a:t>짦게</a:t>
+            </a:r>
+            <a:r>
+              <a:rPr lang="ko-KR" altLang="en-US" dirty="0"/>
+              <a:t> 쓴다고 생각하면 된다</a:t>
+            </a:r>
+          </a:p>
+        </p:txBody>
+      </p:sp>
+      <p:pic>
+        <p:nvPicPr>
+          <p:cNvPr id="4" name="그림 3">
+            <a:extLst>
+              <a:ext uri="{FF2B5EF4-FFF2-40B4-BE49-F238E27FC236}">
+                <a16:creationId xmlns:a16="http://schemas.microsoft.com/office/drawing/2014/main" id="{72983C75-399B-4596-BE36-C019C125B5F8}"/>
+              </a:ext>
+            </a:extLst>
+          </p:cNvPr>
+          <p:cNvPicPr>
+            <a:picLocks noChangeAspect="1"/>
+          </p:cNvPicPr>
+          <p:nvPr/>
+        </p:nvPicPr>
+        <p:blipFill>
+          <a:blip r:embed="rId2"/>
+          <a:stretch>
+            <a:fillRect/>
+          </a:stretch>
+        </p:blipFill>
+        <p:spPr>
+          <a:xfrm>
+            <a:off x="461639" y="2488246"/>
+            <a:ext cx="4873841" cy="2694482"/>
+          </a:xfrm>
+          <a:prstGeom prst="rect">
+            <a:avLst/>
+          </a:prstGeom>
+        </p:spPr>
+      </p:pic>
+      <p:pic>
+        <p:nvPicPr>
+          <p:cNvPr id="8" name="그림 7">
+            <a:extLst>
+              <a:ext uri="{FF2B5EF4-FFF2-40B4-BE49-F238E27FC236}">
+                <a16:creationId xmlns:a16="http://schemas.microsoft.com/office/drawing/2014/main" id="{6D9E9EF4-CBA9-4C3A-9E39-248B37DE0B9D}"/>
+              </a:ext>
+            </a:extLst>
+          </p:cNvPr>
+          <p:cNvPicPr>
+            <a:picLocks noChangeAspect="1"/>
+          </p:cNvPicPr>
+          <p:nvPr/>
+        </p:nvPicPr>
+        <p:blipFill>
+          <a:blip r:embed="rId3"/>
+          <a:stretch>
+            <a:fillRect/>
+          </a:stretch>
+        </p:blipFill>
+        <p:spPr>
+          <a:xfrm>
+            <a:off x="6096000" y="2488246"/>
+            <a:ext cx="4873841" cy="2694482"/>
+          </a:xfrm>
+          <a:prstGeom prst="rect">
+            <a:avLst/>
+          </a:prstGeom>
+        </p:spPr>
+      </p:pic>
+      <p:sp>
+        <p:nvSpPr>
+          <p:cNvPr id="9" name="TextBox 8">
+            <a:extLst>
+              <a:ext uri="{FF2B5EF4-FFF2-40B4-BE49-F238E27FC236}">
+                <a16:creationId xmlns:a16="http://schemas.microsoft.com/office/drawing/2014/main" id="{3B6652A7-A684-431E-BF1B-C396F567DF82}"/>
+              </a:ext>
+            </a:extLst>
+          </p:cNvPr>
+          <p:cNvSpPr txBox="1"/>
+          <p:nvPr/>
+        </p:nvSpPr>
+        <p:spPr>
+          <a:xfrm>
+            <a:off x="1651247" y="5655076"/>
+            <a:ext cx="3249227" cy="369332"/>
+          </a:xfrm>
+          <a:prstGeom prst="rect">
+            <a:avLst/>
+          </a:prstGeom>
+          <a:noFill/>
+        </p:spPr>
+        <p:txBody>
+          <a:bodyPr wrap="square" rtlCol="0">
+            <a:spAutoFit/>
+          </a:bodyPr>
+          <a:lstStyle/>
+          <a:p>
+            <a:pPr algn="ctr"/>
+            <a:r>
+              <a:rPr lang="ko-KR" altLang="en-US" dirty="0"/>
+              <a:t>기본적인 </a:t>
+            </a:r>
+            <a:r>
+              <a:rPr lang="en-US" altLang="ko-KR" dirty="0"/>
+              <a:t>def </a:t>
+            </a:r>
+            <a:r>
+              <a:rPr lang="ko-KR" altLang="en-US" dirty="0"/>
+              <a:t>함수</a:t>
+            </a:r>
+          </a:p>
+        </p:txBody>
+      </p:sp>
+      <p:sp>
+        <p:nvSpPr>
+          <p:cNvPr id="15" name="TextBox 14">
+            <a:extLst>
+              <a:ext uri="{FF2B5EF4-FFF2-40B4-BE49-F238E27FC236}">
+                <a16:creationId xmlns:a16="http://schemas.microsoft.com/office/drawing/2014/main" id="{031B445D-F417-4CE5-9C97-6D28A08FF83D}"/>
+              </a:ext>
+            </a:extLst>
+          </p:cNvPr>
+          <p:cNvSpPr txBox="1"/>
+          <p:nvPr/>
+        </p:nvSpPr>
+        <p:spPr>
+          <a:xfrm>
+            <a:off x="6908306" y="5655076"/>
+            <a:ext cx="3249227" cy="369332"/>
+          </a:xfrm>
+          <a:prstGeom prst="rect">
+            <a:avLst/>
+          </a:prstGeom>
+          <a:noFill/>
+        </p:spPr>
+        <p:txBody>
+          <a:bodyPr wrap="square" rtlCol="0">
+            <a:spAutoFit/>
+          </a:bodyPr>
+          <a:lstStyle/>
+          <a:p>
+            <a:pPr algn="ctr"/>
+            <a:r>
+              <a:rPr lang="ko-KR" altLang="en-US" dirty="0" err="1"/>
+              <a:t>를</a:t>
+            </a:r>
+            <a:r>
+              <a:rPr lang="ko-KR" altLang="en-US" dirty="0"/>
+              <a:t> </a:t>
+            </a:r>
+            <a:r>
+              <a:rPr lang="en-US" altLang="ko-KR" dirty="0"/>
+              <a:t>lambda </a:t>
+            </a:r>
+            <a:r>
+              <a:rPr lang="ko-KR" altLang="en-US" dirty="0"/>
+              <a:t>식으로 표현</a:t>
+            </a:r>
+          </a:p>
+        </p:txBody>
+      </p:sp>
+    </p:spTree>
+    <p:extLst>
+      <p:ext uri="{BB962C8B-B14F-4D97-AF65-F5344CB8AC3E}">
+        <p14:creationId xmlns:p14="http://schemas.microsoft.com/office/powerpoint/2010/main" val="3315432263"/>
+      </p:ext>
+    </p:extLst>
+  </p:cSld>
+  <p:clrMapOvr>
+    <a:masterClrMapping/>
+  </p:clrMapOvr>
+</p:sld>
+</file>
+
+<file path=ppt/slides/slide23.xml><?xml version="1.0" encoding="utf-8"?>
+<p:sld xmlns:a="http://schemas.openxmlformats.org/drawingml/2006/main" xmlns:r="http://schemas.openxmlformats.org/officeDocument/2006/relationships" xmlns:p="http://schemas.openxmlformats.org/presentationml/2006/main">
+  <p:cSld>
+    <p:spTree>
+      <p:nvGrpSpPr>
+        <p:cNvPr id="1" name=""/>
+        <p:cNvGrpSpPr/>
+        <p:nvPr/>
+      </p:nvGrpSpPr>
+      <p:grpSpPr>
+        <a:xfrm>
+          <a:off x="0" y="0"/>
+          <a:ext cx="0" cy="0"/>
+          <a:chOff x="0" y="0"/>
+          <a:chExt cx="0" cy="0"/>
+        </a:xfrm>
+      </p:grpSpPr>
+      <p:grpSp>
+        <p:nvGrpSpPr>
+          <p:cNvPr id="2" name="그룹 1"/>
+          <p:cNvGrpSpPr/>
+          <p:nvPr/>
+        </p:nvGrpSpPr>
+        <p:grpSpPr>
+          <a:xfrm>
+            <a:off x="281940" y="85117"/>
+            <a:ext cx="11602120" cy="385353"/>
+            <a:chOff x="281940" y="85117"/>
+            <a:chExt cx="11602120" cy="385353"/>
+          </a:xfrm>
+        </p:grpSpPr>
+        <p:sp>
+          <p:nvSpPr>
+            <p:cNvPr id="13" name="TextBox 12">
+              <a:extLst>
+                <a:ext uri="{FF2B5EF4-FFF2-40B4-BE49-F238E27FC236}">
+                  <a16:creationId xmlns:a16="http://schemas.microsoft.com/office/drawing/2014/main" id="{15CE7E43-96D7-4310-8BD4-167DFCAA433C}"/>
+                </a:ext>
+              </a:extLst>
+            </p:cNvPr>
+            <p:cNvSpPr txBox="1"/>
+            <p:nvPr/>
+          </p:nvSpPr>
+          <p:spPr>
+            <a:xfrm>
+              <a:off x="281940" y="101138"/>
+              <a:ext cx="2199641" cy="369332"/>
+            </a:xfrm>
+            <a:prstGeom prst="rect">
+              <a:avLst/>
+            </a:prstGeom>
+            <a:noFill/>
+          </p:spPr>
+          <p:txBody>
+            <a:bodyPr wrap="none" rtlCol="0">
+              <a:spAutoFit/>
+            </a:bodyPr>
+            <a:lstStyle/>
+            <a:p>
+              <a:r>
+                <a:rPr lang="en-US" altLang="ko-KR" dirty="0">
+                  <a:latin typeface="KoPubWorld돋움체 Bold" panose="00000800000000000000" pitchFamily="2" charset="-127"/>
+                  <a:ea typeface="KoPubWorld돋움체 Bold" panose="00000800000000000000" pitchFamily="2" charset="-127"/>
+                  <a:cs typeface="KoPubWorld돋움체 Bold" panose="00000800000000000000" pitchFamily="2" charset="-127"/>
+                </a:rPr>
+                <a:t>4.Lambda </a:t>
+              </a:r>
+              <a:r>
+                <a:rPr lang="ko-KR" altLang="en-US" dirty="0">
+                  <a:latin typeface="KoPubWorld돋움체 Bold" panose="00000800000000000000" pitchFamily="2" charset="-127"/>
+                  <a:ea typeface="KoPubWorld돋움체 Bold" panose="00000800000000000000" pitchFamily="2" charset="-127"/>
+                  <a:cs typeface="KoPubWorld돋움체 Bold" panose="00000800000000000000" pitchFamily="2" charset="-127"/>
+                </a:rPr>
+                <a:t>사용하기</a:t>
+              </a:r>
+            </a:p>
+          </p:txBody>
+        </p:sp>
+        <p:sp>
+          <p:nvSpPr>
+            <p:cNvPr id="14" name="TextBox 13">
+              <a:extLst>
+                <a:ext uri="{FF2B5EF4-FFF2-40B4-BE49-F238E27FC236}">
+                  <a16:creationId xmlns:a16="http://schemas.microsoft.com/office/drawing/2014/main" id="{15CE7E43-96D7-4310-8BD4-167DFCAA433C}"/>
+                </a:ext>
+              </a:extLst>
+            </p:cNvPr>
+            <p:cNvSpPr txBox="1"/>
+            <p:nvPr/>
+          </p:nvSpPr>
+          <p:spPr>
+            <a:xfrm>
+              <a:off x="8535066" y="85117"/>
+              <a:ext cx="3348994" cy="369332"/>
+            </a:xfrm>
+            <a:prstGeom prst="rect">
+              <a:avLst/>
+            </a:prstGeom>
+            <a:noFill/>
+          </p:spPr>
+          <p:txBody>
+            <a:bodyPr wrap="none" rtlCol="0">
+              <a:spAutoFit/>
+            </a:bodyPr>
+            <a:lstStyle/>
+            <a:p>
+              <a:pPr algn="r"/>
+              <a:r>
+                <a:rPr lang="ko-KR" altLang="en-US" dirty="0">
+                  <a:solidFill>
+                    <a:schemeClr val="bg1"/>
+                  </a:solidFill>
+                  <a:latin typeface="KoPubWorld돋움체 Bold" panose="00000800000000000000" pitchFamily="2" charset="-127"/>
+                  <a:ea typeface="KoPubWorld돋움체 Bold" panose="00000800000000000000" pitchFamily="2" charset="-127"/>
+                  <a:cs typeface="KoPubWorld돋움체 Bold" panose="00000800000000000000" pitchFamily="2" charset="-127"/>
+                </a:rPr>
+                <a:t>경남대학교 데이터분석 동아리</a:t>
+              </a:r>
+            </a:p>
+          </p:txBody>
+        </p:sp>
+      </p:grpSp>
+      <p:sp>
+        <p:nvSpPr>
+          <p:cNvPr id="5" name="TextBox 4">
+            <a:extLst>
+              <a:ext uri="{FF2B5EF4-FFF2-40B4-BE49-F238E27FC236}">
+                <a16:creationId xmlns:a16="http://schemas.microsoft.com/office/drawing/2014/main" id="{447E25BA-5834-4ACE-9BBF-7B006FBC5A38}"/>
+              </a:ext>
+            </a:extLst>
+          </p:cNvPr>
+          <p:cNvSpPr txBox="1"/>
+          <p:nvPr/>
+        </p:nvSpPr>
+        <p:spPr>
+          <a:xfrm>
+            <a:off x="281940" y="785674"/>
+            <a:ext cx="7164280" cy="369332"/>
+          </a:xfrm>
+          <a:prstGeom prst="rect">
+            <a:avLst/>
+          </a:prstGeom>
+          <a:noFill/>
+        </p:spPr>
+        <p:txBody>
+          <a:bodyPr wrap="square" rtlCol="0">
+            <a:spAutoFit/>
+          </a:bodyPr>
+          <a:lstStyle/>
+          <a:p>
+            <a:r>
+              <a:rPr lang="en-US" altLang="ko-KR" b="1" dirty="0" err="1"/>
+              <a:t>Labbda</a:t>
+            </a:r>
+            <a:r>
+              <a:rPr lang="en-US" altLang="ko-KR" b="1" dirty="0"/>
+              <a:t> </a:t>
+            </a:r>
+            <a:r>
+              <a:rPr lang="ko-KR" altLang="en-US" b="1" dirty="0"/>
+              <a:t>사용하기</a:t>
+            </a:r>
+          </a:p>
+        </p:txBody>
+      </p:sp>
+      <p:sp>
+        <p:nvSpPr>
+          <p:cNvPr id="3" name="TextBox 2">
+            <a:extLst>
+              <a:ext uri="{FF2B5EF4-FFF2-40B4-BE49-F238E27FC236}">
+                <a16:creationId xmlns:a16="http://schemas.microsoft.com/office/drawing/2014/main" id="{B3D6B5AD-DC94-494B-A531-93D55943115D}"/>
+              </a:ext>
+            </a:extLst>
+          </p:cNvPr>
+          <p:cNvSpPr txBox="1"/>
+          <p:nvPr/>
+        </p:nvSpPr>
+        <p:spPr>
+          <a:xfrm>
+            <a:off x="461639" y="1384917"/>
+            <a:ext cx="11422421" cy="369332"/>
+          </a:xfrm>
+          <a:prstGeom prst="rect">
+            <a:avLst/>
+          </a:prstGeom>
+          <a:noFill/>
+        </p:spPr>
+        <p:txBody>
+          <a:bodyPr wrap="square" rtlCol="0">
+            <a:spAutoFit/>
+          </a:bodyPr>
+          <a:lstStyle/>
+          <a:p>
+            <a:r>
+              <a:rPr lang="en-US" altLang="ko-KR" dirty="0"/>
+              <a:t>Lambda</a:t>
+            </a:r>
+            <a:r>
+              <a:rPr lang="ko-KR" altLang="en-US" dirty="0"/>
+              <a:t>는 일반적인 함수를 좀 </a:t>
+            </a:r>
+            <a:r>
+              <a:rPr lang="ko-KR" altLang="en-US" dirty="0" err="1"/>
+              <a:t>짦게</a:t>
+            </a:r>
+            <a:r>
+              <a:rPr lang="ko-KR" altLang="en-US" dirty="0"/>
+              <a:t> 쓴다고 생각하면 된다</a:t>
+            </a:r>
+          </a:p>
+        </p:txBody>
+      </p:sp>
+      <p:sp>
+        <p:nvSpPr>
+          <p:cNvPr id="9" name="TextBox 8">
+            <a:extLst>
+              <a:ext uri="{FF2B5EF4-FFF2-40B4-BE49-F238E27FC236}">
+                <a16:creationId xmlns:a16="http://schemas.microsoft.com/office/drawing/2014/main" id="{3B6652A7-A684-431E-BF1B-C396F567DF82}"/>
+              </a:ext>
+            </a:extLst>
+          </p:cNvPr>
+          <p:cNvSpPr txBox="1"/>
+          <p:nvPr/>
+        </p:nvSpPr>
+        <p:spPr>
+          <a:xfrm>
+            <a:off x="1038688" y="6255227"/>
+            <a:ext cx="3249227" cy="369332"/>
+          </a:xfrm>
+          <a:prstGeom prst="rect">
+            <a:avLst/>
+          </a:prstGeom>
+          <a:noFill/>
+        </p:spPr>
+        <p:txBody>
+          <a:bodyPr wrap="square" rtlCol="0">
+            <a:spAutoFit/>
+          </a:bodyPr>
+          <a:lstStyle/>
+          <a:p>
+            <a:pPr algn="ctr"/>
+            <a:r>
+              <a:rPr lang="ko-KR" altLang="en-US" dirty="0"/>
+              <a:t>기본적인 </a:t>
+            </a:r>
+            <a:r>
+              <a:rPr lang="en-US" altLang="ko-KR" dirty="0"/>
+              <a:t>def </a:t>
+            </a:r>
+            <a:r>
+              <a:rPr lang="ko-KR" altLang="en-US" dirty="0"/>
+              <a:t>함수</a:t>
+            </a:r>
+          </a:p>
+        </p:txBody>
+      </p:sp>
+      <p:sp>
+        <p:nvSpPr>
+          <p:cNvPr id="15" name="TextBox 14">
+            <a:extLst>
+              <a:ext uri="{FF2B5EF4-FFF2-40B4-BE49-F238E27FC236}">
+                <a16:creationId xmlns:a16="http://schemas.microsoft.com/office/drawing/2014/main" id="{031B445D-F417-4CE5-9C97-6D28A08FF83D}"/>
+              </a:ext>
+            </a:extLst>
+          </p:cNvPr>
+          <p:cNvSpPr txBox="1"/>
+          <p:nvPr/>
+        </p:nvSpPr>
+        <p:spPr>
+          <a:xfrm>
+            <a:off x="6495495" y="6255227"/>
+            <a:ext cx="3249227" cy="369332"/>
+          </a:xfrm>
+          <a:prstGeom prst="rect">
+            <a:avLst/>
+          </a:prstGeom>
+          <a:noFill/>
+        </p:spPr>
+        <p:txBody>
+          <a:bodyPr wrap="square" rtlCol="0">
+            <a:spAutoFit/>
+          </a:bodyPr>
+          <a:lstStyle/>
+          <a:p>
+            <a:pPr algn="ctr"/>
+            <a:r>
+              <a:rPr lang="ko-KR" altLang="en-US" dirty="0" err="1"/>
+              <a:t>를</a:t>
+            </a:r>
+            <a:r>
+              <a:rPr lang="ko-KR" altLang="en-US" dirty="0"/>
+              <a:t> </a:t>
+            </a:r>
+            <a:r>
+              <a:rPr lang="en-US" altLang="ko-KR" dirty="0"/>
+              <a:t>lambda </a:t>
+            </a:r>
+            <a:r>
+              <a:rPr lang="ko-KR" altLang="en-US" dirty="0"/>
+              <a:t>식으로 표현</a:t>
+            </a:r>
+          </a:p>
+        </p:txBody>
+      </p:sp>
+      <p:pic>
+        <p:nvPicPr>
+          <p:cNvPr id="10" name="그림 9">
+            <a:extLst>
+              <a:ext uri="{FF2B5EF4-FFF2-40B4-BE49-F238E27FC236}">
+                <a16:creationId xmlns:a16="http://schemas.microsoft.com/office/drawing/2014/main" id="{BBE3F833-A32E-4916-A07E-8938415C48B0}"/>
+              </a:ext>
+            </a:extLst>
+          </p:cNvPr>
+          <p:cNvPicPr>
+            <a:picLocks noChangeAspect="1"/>
+          </p:cNvPicPr>
+          <p:nvPr/>
+        </p:nvPicPr>
+        <p:blipFill>
+          <a:blip r:embed="rId2"/>
+          <a:stretch>
+            <a:fillRect/>
+          </a:stretch>
+        </p:blipFill>
+        <p:spPr>
+          <a:xfrm>
+            <a:off x="821500" y="1966878"/>
+            <a:ext cx="3466415" cy="4288349"/>
+          </a:xfrm>
+          <a:prstGeom prst="rect">
+            <a:avLst/>
+          </a:prstGeom>
+        </p:spPr>
+      </p:pic>
+      <p:pic>
+        <p:nvPicPr>
+          <p:cNvPr id="11" name="그림 10">
+            <a:extLst>
+              <a:ext uri="{FF2B5EF4-FFF2-40B4-BE49-F238E27FC236}">
+                <a16:creationId xmlns:a16="http://schemas.microsoft.com/office/drawing/2014/main" id="{EDCE4658-1B06-4758-BE23-E8C4549E04B2}"/>
+              </a:ext>
+            </a:extLst>
+          </p:cNvPr>
+          <p:cNvPicPr>
+            <a:picLocks noChangeAspect="1"/>
+          </p:cNvPicPr>
+          <p:nvPr/>
+        </p:nvPicPr>
+        <p:blipFill>
+          <a:blip r:embed="rId3"/>
+          <a:stretch>
+            <a:fillRect/>
+          </a:stretch>
+        </p:blipFill>
+        <p:spPr>
+          <a:xfrm>
+            <a:off x="4657288" y="1881377"/>
+            <a:ext cx="6925642" cy="4288348"/>
+          </a:xfrm>
+          <a:prstGeom prst="rect">
+            <a:avLst/>
+          </a:prstGeom>
+        </p:spPr>
+      </p:pic>
+    </p:spTree>
+    <p:extLst>
+      <p:ext uri="{BB962C8B-B14F-4D97-AF65-F5344CB8AC3E}">
+        <p14:creationId xmlns:p14="http://schemas.microsoft.com/office/powerpoint/2010/main" val="1055681546"/>
+      </p:ext>
+    </p:extLst>
+  </p:cSld>
+  <p:clrMapOvr>
+    <a:masterClrMapping/>
+  </p:clrMapOvr>
+</p:sld>
+</file>
+
+<file path=ppt/slides/slide24.xml><?xml version="1.0" encoding="utf-8"?>
+<p:sld xmlns:a="http://schemas.openxmlformats.org/drawingml/2006/main" xmlns:r="http://schemas.openxmlformats.org/officeDocument/2006/relationships" xmlns:p="http://schemas.openxmlformats.org/presentationml/2006/main">
+  <p:cSld>
+    <p:spTree>
+      <p:nvGrpSpPr>
+        <p:cNvPr id="1" name=""/>
+        <p:cNvGrpSpPr/>
+        <p:nvPr/>
+      </p:nvGrpSpPr>
+      <p:grpSpPr>
+        <a:xfrm>
+          <a:off x="0" y="0"/>
+          <a:ext cx="0" cy="0"/>
+          <a:chOff x="0" y="0"/>
+          <a:chExt cx="0" cy="0"/>
+        </a:xfrm>
+      </p:grpSpPr>
+      <p:grpSp>
+        <p:nvGrpSpPr>
+          <p:cNvPr id="2" name="그룹 1"/>
+          <p:cNvGrpSpPr/>
+          <p:nvPr/>
+        </p:nvGrpSpPr>
+        <p:grpSpPr>
+          <a:xfrm>
+            <a:off x="281940" y="85117"/>
+            <a:ext cx="11602120" cy="385353"/>
+            <a:chOff x="281940" y="85117"/>
+            <a:chExt cx="11602120" cy="385353"/>
+          </a:xfrm>
+        </p:grpSpPr>
+        <p:sp>
+          <p:nvSpPr>
+            <p:cNvPr id="13" name="TextBox 12">
+              <a:extLst>
+                <a:ext uri="{FF2B5EF4-FFF2-40B4-BE49-F238E27FC236}">
+                  <a16:creationId xmlns:a16="http://schemas.microsoft.com/office/drawing/2014/main" id="{15CE7E43-96D7-4310-8BD4-167DFCAA433C}"/>
+                </a:ext>
+              </a:extLst>
+            </p:cNvPr>
+            <p:cNvSpPr txBox="1"/>
+            <p:nvPr/>
+          </p:nvSpPr>
+          <p:spPr>
+            <a:xfrm>
+              <a:off x="281940" y="101138"/>
+              <a:ext cx="2199641" cy="369332"/>
+            </a:xfrm>
+            <a:prstGeom prst="rect">
+              <a:avLst/>
+            </a:prstGeom>
+            <a:noFill/>
+          </p:spPr>
+          <p:txBody>
+            <a:bodyPr wrap="none" rtlCol="0">
+              <a:spAutoFit/>
+            </a:bodyPr>
+            <a:lstStyle/>
+            <a:p>
+              <a:r>
+                <a:rPr lang="en-US" altLang="ko-KR" dirty="0">
+                  <a:latin typeface="KoPubWorld돋움체 Bold" panose="00000800000000000000" pitchFamily="2" charset="-127"/>
+                  <a:ea typeface="KoPubWorld돋움체 Bold" panose="00000800000000000000" pitchFamily="2" charset="-127"/>
+                  <a:cs typeface="KoPubWorld돋움체 Bold" panose="00000800000000000000" pitchFamily="2" charset="-127"/>
+                </a:rPr>
+                <a:t>4.Lambda </a:t>
+              </a:r>
+              <a:r>
+                <a:rPr lang="ko-KR" altLang="en-US" dirty="0">
+                  <a:latin typeface="KoPubWorld돋움체 Bold" panose="00000800000000000000" pitchFamily="2" charset="-127"/>
+                  <a:ea typeface="KoPubWorld돋움체 Bold" panose="00000800000000000000" pitchFamily="2" charset="-127"/>
+                  <a:cs typeface="KoPubWorld돋움체 Bold" panose="00000800000000000000" pitchFamily="2" charset="-127"/>
+                </a:rPr>
+                <a:t>사용하기</a:t>
+              </a:r>
+            </a:p>
+          </p:txBody>
+        </p:sp>
+        <p:sp>
+          <p:nvSpPr>
+            <p:cNvPr id="14" name="TextBox 13">
+              <a:extLst>
+                <a:ext uri="{FF2B5EF4-FFF2-40B4-BE49-F238E27FC236}">
+                  <a16:creationId xmlns:a16="http://schemas.microsoft.com/office/drawing/2014/main" id="{15CE7E43-96D7-4310-8BD4-167DFCAA433C}"/>
+                </a:ext>
+              </a:extLst>
+            </p:cNvPr>
+            <p:cNvSpPr txBox="1"/>
+            <p:nvPr/>
+          </p:nvSpPr>
+          <p:spPr>
+            <a:xfrm>
+              <a:off x="8535066" y="85117"/>
+              <a:ext cx="3348994" cy="369332"/>
+            </a:xfrm>
+            <a:prstGeom prst="rect">
+              <a:avLst/>
+            </a:prstGeom>
+            <a:noFill/>
+          </p:spPr>
+          <p:txBody>
+            <a:bodyPr wrap="none" rtlCol="0">
+              <a:spAutoFit/>
+            </a:bodyPr>
+            <a:lstStyle/>
+            <a:p>
+              <a:pPr algn="r"/>
+              <a:r>
+                <a:rPr lang="ko-KR" altLang="en-US" dirty="0">
+                  <a:solidFill>
+                    <a:schemeClr val="bg1"/>
+                  </a:solidFill>
+                  <a:latin typeface="KoPubWorld돋움체 Bold" panose="00000800000000000000" pitchFamily="2" charset="-127"/>
+                  <a:ea typeface="KoPubWorld돋움체 Bold" panose="00000800000000000000" pitchFamily="2" charset="-127"/>
+                  <a:cs typeface="KoPubWorld돋움체 Bold" panose="00000800000000000000" pitchFamily="2" charset="-127"/>
+                </a:rPr>
+                <a:t>경남대학교 데이터분석 동아리</a:t>
+              </a:r>
+            </a:p>
+          </p:txBody>
+        </p:sp>
+      </p:grpSp>
+      <p:sp>
+        <p:nvSpPr>
+          <p:cNvPr id="5" name="TextBox 4">
+            <a:extLst>
+              <a:ext uri="{FF2B5EF4-FFF2-40B4-BE49-F238E27FC236}">
+                <a16:creationId xmlns:a16="http://schemas.microsoft.com/office/drawing/2014/main" id="{447E25BA-5834-4ACE-9BBF-7B006FBC5A38}"/>
+              </a:ext>
+            </a:extLst>
+          </p:cNvPr>
+          <p:cNvSpPr txBox="1"/>
+          <p:nvPr/>
+        </p:nvSpPr>
+        <p:spPr>
+          <a:xfrm>
+            <a:off x="281940" y="785674"/>
+            <a:ext cx="7164280" cy="369332"/>
+          </a:xfrm>
+          <a:prstGeom prst="rect">
+            <a:avLst/>
+          </a:prstGeom>
+          <a:noFill/>
+        </p:spPr>
+        <p:txBody>
+          <a:bodyPr wrap="square" rtlCol="0">
+            <a:spAutoFit/>
+          </a:bodyPr>
+          <a:lstStyle/>
+          <a:p>
+            <a:r>
+              <a:rPr lang="en-US" altLang="ko-KR" b="1" dirty="0"/>
+              <a:t>Apply</a:t>
+            </a:r>
+            <a:r>
+              <a:rPr lang="ko-KR" altLang="en-US" b="1" dirty="0"/>
+              <a:t>와 </a:t>
+            </a:r>
+            <a:r>
+              <a:rPr lang="en-US" altLang="ko-KR" b="1" dirty="0"/>
+              <a:t>map </a:t>
+            </a:r>
+            <a:r>
+              <a:rPr lang="ko-KR" altLang="en-US" b="1" dirty="0"/>
+              <a:t>사용하기</a:t>
+            </a:r>
+          </a:p>
+        </p:txBody>
+      </p:sp>
+      <p:graphicFrame>
+        <p:nvGraphicFramePr>
+          <p:cNvPr id="4" name="표 3">
+            <a:extLst>
+              <a:ext uri="{FF2B5EF4-FFF2-40B4-BE49-F238E27FC236}">
+                <a16:creationId xmlns:a16="http://schemas.microsoft.com/office/drawing/2014/main" id="{D5EB6167-4C78-4B0D-976D-303BF29C4917}"/>
+              </a:ext>
+            </a:extLst>
+          </p:cNvPr>
+          <p:cNvGraphicFramePr>
+            <a:graphicFrameLocks noGrp="1"/>
+          </p:cNvGraphicFramePr>
+          <p:nvPr>
+            <p:extLst>
+              <p:ext uri="{D42A27DB-BD31-4B8C-83A1-F6EECF244321}">
+                <p14:modId xmlns:p14="http://schemas.microsoft.com/office/powerpoint/2010/main" val="4126349530"/>
+              </p:ext>
+            </p:extLst>
+          </p:nvPr>
+        </p:nvGraphicFramePr>
+        <p:xfrm>
+          <a:off x="281940" y="1751367"/>
+          <a:ext cx="8128000" cy="736600"/>
+        </p:xfrm>
+        <a:graphic>
+          <a:graphicData uri="http://schemas.openxmlformats.org/drawingml/2006/table">
+            <a:tbl>
+              <a:tblPr firstRow="1" bandRow="1">
+                <a:tableStyleId>{5C22544A-7EE6-4342-B048-85BDC9FD1C3A}</a:tableStyleId>
+              </a:tblPr>
+              <a:tblGrid>
+                <a:gridCol w="4064000">
+                  <a:extLst>
+                    <a:ext uri="{9D8B030D-6E8A-4147-A177-3AD203B41FA5}">
+                      <a16:colId xmlns:a16="http://schemas.microsoft.com/office/drawing/2014/main" val="2926717096"/>
+                    </a:ext>
+                  </a:extLst>
+                </a:gridCol>
+                <a:gridCol w="4064000">
+                  <a:extLst>
+                    <a:ext uri="{9D8B030D-6E8A-4147-A177-3AD203B41FA5}">
+                      <a16:colId xmlns:a16="http://schemas.microsoft.com/office/drawing/2014/main" val="3266768714"/>
+                    </a:ext>
+                  </a:extLst>
+                </a:gridCol>
+              </a:tblGrid>
+              <a:tr h="0">
+                <a:tc>
+                  <a:txBody>
+                    <a:bodyPr/>
+                    <a:lstStyle/>
+                    <a:p>
+                      <a:pPr algn="ctr" latinLnBrk="1"/>
+                      <a:r>
+                        <a:rPr lang="en-US" altLang="ko-KR" dirty="0"/>
+                        <a:t>apply</a:t>
+                      </a:r>
+                      <a:endParaRPr lang="ko-KR" altLang="en-US" dirty="0"/>
+                    </a:p>
+                  </a:txBody>
+                  <a:tcPr/>
+                </a:tc>
+                <a:tc>
+                  <a:txBody>
+                    <a:bodyPr/>
+                    <a:lstStyle/>
+                    <a:p>
+                      <a:pPr latinLnBrk="1"/>
+                      <a:r>
+                        <a:rPr lang="ko-KR" altLang="en-US" dirty="0"/>
+                        <a:t>반드시 </a:t>
+                      </a:r>
+                      <a:r>
+                        <a:rPr lang="en-US" altLang="ko-KR" dirty="0"/>
+                        <a:t>Series </a:t>
+                      </a:r>
+                      <a:r>
+                        <a:rPr lang="ko-KR" altLang="en-US" dirty="0"/>
+                        <a:t>타입에 사용</a:t>
+                      </a:r>
+                    </a:p>
+                  </a:txBody>
+                  <a:tcPr/>
+                </a:tc>
+                <a:extLst>
+                  <a:ext uri="{0D108BD9-81ED-4DB2-BD59-A6C34878D82A}">
+                    <a16:rowId xmlns:a16="http://schemas.microsoft.com/office/drawing/2014/main" val="3583221482"/>
+                  </a:ext>
+                </a:extLst>
+              </a:tr>
+              <a:tr h="370840">
+                <a:tc>
+                  <a:txBody>
+                    <a:bodyPr/>
+                    <a:lstStyle/>
+                    <a:p>
+                      <a:pPr algn="ctr" latinLnBrk="1"/>
+                      <a:r>
+                        <a:rPr lang="en-US" altLang="ko-KR" dirty="0">
+                          <a:solidFill>
+                            <a:schemeClr val="tx1"/>
+                          </a:solidFill>
+                        </a:rPr>
+                        <a:t>map</a:t>
+                      </a:r>
+                      <a:endParaRPr lang="ko-KR" altLang="en-US" dirty="0">
+                        <a:solidFill>
+                          <a:schemeClr val="tx1"/>
+                        </a:solidFill>
+                      </a:endParaRPr>
+                    </a:p>
+                  </a:txBody>
+                  <a:tcPr/>
+                </a:tc>
+                <a:tc>
+                  <a:txBody>
+                    <a:bodyPr/>
+                    <a:lstStyle/>
+                    <a:p>
+                      <a:pPr latinLnBrk="1"/>
+                      <a:r>
+                        <a:rPr lang="ko-KR" altLang="en-US" sz="1400" dirty="0"/>
+                        <a:t>반드시 </a:t>
+                      </a:r>
+                      <a:r>
+                        <a:rPr lang="en-US" altLang="ko-KR" sz="1400" dirty="0"/>
+                        <a:t>2</a:t>
+                      </a:r>
+                      <a:r>
+                        <a:rPr lang="ko-KR" altLang="en-US" sz="1400" dirty="0"/>
+                        <a:t>차원이상의 </a:t>
+                      </a:r>
+                      <a:r>
+                        <a:rPr lang="en-US" altLang="ko-KR" sz="1400" dirty="0"/>
+                        <a:t>Series</a:t>
+                      </a:r>
+                      <a:r>
+                        <a:rPr lang="ko-KR" altLang="en-US" sz="1400" dirty="0"/>
+                        <a:t>에 사용</a:t>
+                      </a:r>
+                      <a:r>
+                        <a:rPr lang="en-US" altLang="ko-KR" sz="1400" dirty="0"/>
+                        <a:t>(</a:t>
+                      </a:r>
+                      <a:r>
+                        <a:rPr lang="ko-KR" altLang="en-US" sz="1400" dirty="0"/>
+                        <a:t>데이터프레임</a:t>
+                      </a:r>
+                      <a:r>
+                        <a:rPr lang="en-US" altLang="ko-KR" sz="1400" dirty="0"/>
+                        <a:t>)</a:t>
+                      </a:r>
+                      <a:endParaRPr lang="ko-KR" altLang="en-US" sz="1400" dirty="0"/>
+                    </a:p>
+                  </a:txBody>
+                  <a:tcPr/>
+                </a:tc>
+                <a:extLst>
+                  <a:ext uri="{0D108BD9-81ED-4DB2-BD59-A6C34878D82A}">
+                    <a16:rowId xmlns:a16="http://schemas.microsoft.com/office/drawing/2014/main" val="3014122256"/>
+                  </a:ext>
+                </a:extLst>
+              </a:tr>
+            </a:tbl>
+          </a:graphicData>
+        </a:graphic>
+      </p:graphicFrame>
+      <p:pic>
+        <p:nvPicPr>
+          <p:cNvPr id="6" name="그림 5">
+            <a:extLst>
+              <a:ext uri="{FF2B5EF4-FFF2-40B4-BE49-F238E27FC236}">
+                <a16:creationId xmlns:a16="http://schemas.microsoft.com/office/drawing/2014/main" id="{0AAFD241-4CC1-4F40-A117-97C1D4AAA83D}"/>
+              </a:ext>
+            </a:extLst>
+          </p:cNvPr>
+          <p:cNvPicPr>
+            <a:picLocks noChangeAspect="1"/>
+          </p:cNvPicPr>
+          <p:nvPr/>
+        </p:nvPicPr>
+        <p:blipFill>
+          <a:blip r:embed="rId2"/>
+          <a:stretch>
+            <a:fillRect/>
+          </a:stretch>
+        </p:blipFill>
+        <p:spPr>
+          <a:xfrm>
+            <a:off x="526907" y="2841058"/>
+            <a:ext cx="4906060" cy="3057952"/>
+          </a:xfrm>
+          <a:prstGeom prst="rect">
+            <a:avLst/>
+          </a:prstGeom>
+        </p:spPr>
+      </p:pic>
+      <p:pic>
+        <p:nvPicPr>
+          <p:cNvPr id="7" name="그림 6">
+            <a:extLst>
+              <a:ext uri="{FF2B5EF4-FFF2-40B4-BE49-F238E27FC236}">
+                <a16:creationId xmlns:a16="http://schemas.microsoft.com/office/drawing/2014/main" id="{8AA2084F-155F-4B02-BE5C-D76C92D5A005}"/>
+              </a:ext>
+            </a:extLst>
+          </p:cNvPr>
+          <p:cNvPicPr>
+            <a:picLocks noChangeAspect="1"/>
+          </p:cNvPicPr>
+          <p:nvPr/>
+        </p:nvPicPr>
+        <p:blipFill>
+          <a:blip r:embed="rId3"/>
+          <a:stretch>
+            <a:fillRect/>
+          </a:stretch>
+        </p:blipFill>
+        <p:spPr>
+          <a:xfrm>
+            <a:off x="6170870" y="2926345"/>
+            <a:ext cx="4728391" cy="3145981"/>
+          </a:xfrm>
+          <a:prstGeom prst="rect">
+            <a:avLst/>
+          </a:prstGeom>
+        </p:spPr>
+      </p:pic>
+      <p:sp>
+        <p:nvSpPr>
+          <p:cNvPr id="8" name="TextBox 7">
+            <a:extLst>
+              <a:ext uri="{FF2B5EF4-FFF2-40B4-BE49-F238E27FC236}">
+                <a16:creationId xmlns:a16="http://schemas.microsoft.com/office/drawing/2014/main" id="{82E51332-2064-4050-A934-F78C29EE5170}"/>
+              </a:ext>
+            </a:extLst>
+          </p:cNvPr>
+          <p:cNvSpPr txBox="1"/>
+          <p:nvPr/>
+        </p:nvSpPr>
+        <p:spPr>
+          <a:xfrm>
+            <a:off x="2317072" y="6178858"/>
+            <a:ext cx="2379215" cy="369332"/>
+          </a:xfrm>
+          <a:prstGeom prst="rect">
+            <a:avLst/>
+          </a:prstGeom>
+          <a:noFill/>
+        </p:spPr>
+        <p:txBody>
+          <a:bodyPr wrap="square" rtlCol="0">
+            <a:spAutoFit/>
+          </a:bodyPr>
+          <a:lstStyle/>
+          <a:p>
+            <a:pPr algn="ctr"/>
+            <a:r>
+              <a:rPr lang="en-US" altLang="ko-KR" dirty="0"/>
+              <a:t>Series</a:t>
+            </a:r>
+            <a:endParaRPr lang="ko-KR" altLang="en-US" dirty="0"/>
+          </a:p>
+        </p:txBody>
+      </p:sp>
+      <p:sp>
+        <p:nvSpPr>
+          <p:cNvPr id="16" name="TextBox 15">
+            <a:extLst>
+              <a:ext uri="{FF2B5EF4-FFF2-40B4-BE49-F238E27FC236}">
+                <a16:creationId xmlns:a16="http://schemas.microsoft.com/office/drawing/2014/main" id="{0B10DC76-5C3B-45DF-BFA4-2C2F4B9D5809}"/>
+              </a:ext>
+            </a:extLst>
+          </p:cNvPr>
+          <p:cNvSpPr txBox="1"/>
+          <p:nvPr/>
+        </p:nvSpPr>
+        <p:spPr>
+          <a:xfrm>
+            <a:off x="7345457" y="6178858"/>
+            <a:ext cx="2379215" cy="369332"/>
+          </a:xfrm>
+          <a:prstGeom prst="rect">
+            <a:avLst/>
+          </a:prstGeom>
+          <a:noFill/>
+        </p:spPr>
+        <p:txBody>
+          <a:bodyPr wrap="square" rtlCol="0">
+            <a:spAutoFit/>
+          </a:bodyPr>
+          <a:lstStyle/>
+          <a:p>
+            <a:pPr algn="ctr"/>
+            <a:r>
+              <a:rPr lang="en-US" altLang="ko-KR" dirty="0" err="1"/>
+              <a:t>DataFrame</a:t>
+            </a:r>
+            <a:endParaRPr lang="ko-KR" altLang="en-US" dirty="0"/>
+          </a:p>
+        </p:txBody>
+      </p:sp>
+    </p:spTree>
+    <p:extLst>
+      <p:ext uri="{BB962C8B-B14F-4D97-AF65-F5344CB8AC3E}">
+        <p14:creationId xmlns:p14="http://schemas.microsoft.com/office/powerpoint/2010/main" val="1412952691"/>
+      </p:ext>
+    </p:extLst>
+  </p:cSld>
+  <p:clrMapOvr>
+    <a:masterClrMapping/>
+  </p:clrMapOvr>
+</p:sld>
+</file>
+
+<file path=ppt/slides/slide25.xml><?xml version="1.0" encoding="utf-8"?>
+<p:sld xmlns:a="http://schemas.openxmlformats.org/drawingml/2006/main" xmlns:r="http://schemas.openxmlformats.org/officeDocument/2006/relationships" xmlns:p="http://schemas.openxmlformats.org/presentationml/2006/main">
+  <p:cSld>
+    <p:spTree>
+      <p:nvGrpSpPr>
+        <p:cNvPr id="1" name=""/>
+        <p:cNvGrpSpPr/>
+        <p:nvPr/>
+      </p:nvGrpSpPr>
+      <p:grpSpPr>
+        <a:xfrm>
+          <a:off x="0" y="0"/>
+          <a:ext cx="0" cy="0"/>
+          <a:chOff x="0" y="0"/>
+          <a:chExt cx="0" cy="0"/>
+        </a:xfrm>
+      </p:grpSpPr>
+      <p:grpSp>
+        <p:nvGrpSpPr>
+          <p:cNvPr id="2" name="그룹 1"/>
+          <p:cNvGrpSpPr/>
+          <p:nvPr/>
+        </p:nvGrpSpPr>
+        <p:grpSpPr>
+          <a:xfrm>
+            <a:off x="281940" y="85117"/>
+            <a:ext cx="11602120" cy="385353"/>
+            <a:chOff x="281940" y="85117"/>
+            <a:chExt cx="11602120" cy="385353"/>
+          </a:xfrm>
+        </p:grpSpPr>
+        <p:sp>
+          <p:nvSpPr>
+            <p:cNvPr id="13" name="TextBox 12">
+              <a:extLst>
+                <a:ext uri="{FF2B5EF4-FFF2-40B4-BE49-F238E27FC236}">
+                  <a16:creationId xmlns:a16="http://schemas.microsoft.com/office/drawing/2014/main" id="{15CE7E43-96D7-4310-8BD4-167DFCAA433C}"/>
+                </a:ext>
+              </a:extLst>
+            </p:cNvPr>
+            <p:cNvSpPr txBox="1"/>
+            <p:nvPr/>
+          </p:nvSpPr>
+          <p:spPr>
+            <a:xfrm>
+              <a:off x="281940" y="101138"/>
+              <a:ext cx="2199641" cy="369332"/>
+            </a:xfrm>
+            <a:prstGeom prst="rect">
+              <a:avLst/>
+            </a:prstGeom>
+            <a:noFill/>
+          </p:spPr>
+          <p:txBody>
+            <a:bodyPr wrap="none" rtlCol="0">
+              <a:spAutoFit/>
+            </a:bodyPr>
+            <a:lstStyle/>
+            <a:p>
+              <a:r>
+                <a:rPr lang="en-US" altLang="ko-KR" dirty="0">
+                  <a:latin typeface="KoPubWorld돋움체 Bold" panose="00000800000000000000" pitchFamily="2" charset="-127"/>
+                  <a:ea typeface="KoPubWorld돋움체 Bold" panose="00000800000000000000" pitchFamily="2" charset="-127"/>
+                  <a:cs typeface="KoPubWorld돋움체 Bold" panose="00000800000000000000" pitchFamily="2" charset="-127"/>
+                </a:rPr>
+                <a:t>4.Lambda </a:t>
+              </a:r>
+              <a:r>
+                <a:rPr lang="ko-KR" altLang="en-US" dirty="0">
+                  <a:latin typeface="KoPubWorld돋움체 Bold" panose="00000800000000000000" pitchFamily="2" charset="-127"/>
+                  <a:ea typeface="KoPubWorld돋움체 Bold" panose="00000800000000000000" pitchFamily="2" charset="-127"/>
+                  <a:cs typeface="KoPubWorld돋움체 Bold" panose="00000800000000000000" pitchFamily="2" charset="-127"/>
+                </a:rPr>
+                <a:t>사용하기</a:t>
+              </a:r>
+            </a:p>
+          </p:txBody>
+        </p:sp>
+        <p:sp>
+          <p:nvSpPr>
+            <p:cNvPr id="14" name="TextBox 13">
+              <a:extLst>
+                <a:ext uri="{FF2B5EF4-FFF2-40B4-BE49-F238E27FC236}">
+                  <a16:creationId xmlns:a16="http://schemas.microsoft.com/office/drawing/2014/main" id="{15CE7E43-96D7-4310-8BD4-167DFCAA433C}"/>
+                </a:ext>
+              </a:extLst>
+            </p:cNvPr>
+            <p:cNvSpPr txBox="1"/>
+            <p:nvPr/>
+          </p:nvSpPr>
+          <p:spPr>
+            <a:xfrm>
+              <a:off x="8535066" y="85117"/>
+              <a:ext cx="3348994" cy="369332"/>
+            </a:xfrm>
+            <a:prstGeom prst="rect">
+              <a:avLst/>
+            </a:prstGeom>
+            <a:noFill/>
+          </p:spPr>
+          <p:txBody>
+            <a:bodyPr wrap="none" rtlCol="0">
+              <a:spAutoFit/>
+            </a:bodyPr>
+            <a:lstStyle/>
+            <a:p>
+              <a:pPr algn="r"/>
+              <a:r>
+                <a:rPr lang="ko-KR" altLang="en-US" dirty="0">
+                  <a:solidFill>
+                    <a:schemeClr val="bg1"/>
+                  </a:solidFill>
+                  <a:latin typeface="KoPubWorld돋움체 Bold" panose="00000800000000000000" pitchFamily="2" charset="-127"/>
+                  <a:ea typeface="KoPubWorld돋움체 Bold" panose="00000800000000000000" pitchFamily="2" charset="-127"/>
+                  <a:cs typeface="KoPubWorld돋움체 Bold" panose="00000800000000000000" pitchFamily="2" charset="-127"/>
+                </a:rPr>
+                <a:t>경남대학교 데이터분석 동아리</a:t>
+              </a:r>
+            </a:p>
+          </p:txBody>
+        </p:sp>
+      </p:grpSp>
+      <p:sp>
+        <p:nvSpPr>
+          <p:cNvPr id="5" name="TextBox 4">
+            <a:extLst>
+              <a:ext uri="{FF2B5EF4-FFF2-40B4-BE49-F238E27FC236}">
+                <a16:creationId xmlns:a16="http://schemas.microsoft.com/office/drawing/2014/main" id="{447E25BA-5834-4ACE-9BBF-7B006FBC5A38}"/>
+              </a:ext>
+            </a:extLst>
+          </p:cNvPr>
+          <p:cNvSpPr txBox="1"/>
+          <p:nvPr/>
+        </p:nvSpPr>
+        <p:spPr>
+          <a:xfrm>
+            <a:off x="281940" y="785674"/>
+            <a:ext cx="7164280" cy="369332"/>
+          </a:xfrm>
+          <a:prstGeom prst="rect">
+            <a:avLst/>
+          </a:prstGeom>
+          <a:noFill/>
+        </p:spPr>
+        <p:txBody>
+          <a:bodyPr wrap="square" rtlCol="0">
+            <a:spAutoFit/>
+          </a:bodyPr>
+          <a:lstStyle/>
+          <a:p>
+            <a:r>
+              <a:rPr lang="en-US" altLang="ko-KR" b="1" dirty="0"/>
+              <a:t>Apply</a:t>
+            </a:r>
+            <a:r>
+              <a:rPr lang="ko-KR" altLang="en-US" b="1" dirty="0"/>
+              <a:t>와 </a:t>
+            </a:r>
+            <a:r>
+              <a:rPr lang="en-US" altLang="ko-KR" b="1" dirty="0"/>
+              <a:t>map </a:t>
+            </a:r>
+            <a:r>
+              <a:rPr lang="ko-KR" altLang="en-US" b="1" dirty="0"/>
+              <a:t>사용하기</a:t>
+            </a:r>
+          </a:p>
+        </p:txBody>
+      </p:sp>
+      <p:pic>
+        <p:nvPicPr>
+          <p:cNvPr id="3" name="그림 2">
+            <a:extLst>
+              <a:ext uri="{FF2B5EF4-FFF2-40B4-BE49-F238E27FC236}">
+                <a16:creationId xmlns:a16="http://schemas.microsoft.com/office/drawing/2014/main" id="{94275002-EA87-4468-A4B2-C697DF8864EF}"/>
+              </a:ext>
+            </a:extLst>
+          </p:cNvPr>
+          <p:cNvPicPr>
+            <a:picLocks noChangeAspect="1"/>
+          </p:cNvPicPr>
+          <p:nvPr/>
+        </p:nvPicPr>
+        <p:blipFill>
+          <a:blip r:embed="rId2"/>
+          <a:stretch>
+            <a:fillRect/>
+          </a:stretch>
+        </p:blipFill>
+        <p:spPr>
+          <a:xfrm>
+            <a:off x="461639" y="1470211"/>
+            <a:ext cx="5369985" cy="4737660"/>
+          </a:xfrm>
+          <a:prstGeom prst="rect">
+            <a:avLst/>
+          </a:prstGeom>
+        </p:spPr>
+      </p:pic>
+    </p:spTree>
+    <p:extLst>
+      <p:ext uri="{BB962C8B-B14F-4D97-AF65-F5344CB8AC3E}">
+        <p14:creationId xmlns:p14="http://schemas.microsoft.com/office/powerpoint/2010/main" val="3890202489"/>
+      </p:ext>
+    </p:extLst>
+  </p:cSld>
+  <p:clrMapOvr>
+    <a:masterClrMapping/>
+  </p:clrMapOvr>
+</p:sld>
+</file>
+
+<file path=ppt/slides/slide26.xml><?xml version="1.0" encoding="utf-8"?>
+<p:sld xmlns:a="http://schemas.openxmlformats.org/drawingml/2006/main" xmlns:r="http://schemas.openxmlformats.org/officeDocument/2006/relationships" xmlns:p="http://schemas.openxmlformats.org/presentationml/2006/main">
+  <p:cSld>
+    <p:spTree>
+      <p:nvGrpSpPr>
+        <p:cNvPr id="1" name=""/>
+        <p:cNvGrpSpPr/>
+        <p:nvPr/>
+      </p:nvGrpSpPr>
+      <p:grpSpPr>
+        <a:xfrm>
+          <a:off x="0" y="0"/>
+          <a:ext cx="0" cy="0"/>
+          <a:chOff x="0" y="0"/>
+          <a:chExt cx="0" cy="0"/>
+        </a:xfrm>
+      </p:grpSpPr>
+      <p:sp>
+        <p:nvSpPr>
+          <p:cNvPr id="2" name="직사각형 1"/>
+          <p:cNvSpPr/>
+          <p:nvPr/>
+        </p:nvSpPr>
+        <p:spPr>
+          <a:xfrm>
+            <a:off x="0" y="0"/>
+            <a:ext cx="12192000" cy="6858000"/>
+          </a:xfrm>
+          <a:prstGeom prst="rect">
+            <a:avLst/>
+          </a:prstGeom>
+          <a:solidFill>
+            <a:srgbClr val="404040"/>
+          </a:solidFill>
+          <a:ln>
+            <a:noFill/>
+          </a:ln>
+        </p:spPr>
+        <p:style>
+          <a:lnRef idx="2">
+            <a:schemeClr val="accent1">
+              <a:shade val="50000"/>
+            </a:schemeClr>
+          </a:lnRef>
+          <a:fillRef idx="1">
+            <a:schemeClr val="accent1"/>
+          </a:fillRef>
+          <a:effectRef idx="0">
+            <a:schemeClr val="accent1"/>
+          </a:effectRef>
+          <a:fontRef idx="minor">
+            <a:schemeClr val="lt1"/>
+          </a:fontRef>
+        </p:style>
+        <p:txBody>
+          <a:bodyPr rtlCol="0" anchor="ctr"/>
+          <a:lstStyle/>
+          <a:p>
+            <a:pPr algn="ctr"/>
+            <a:endParaRPr lang="ko-KR" altLang="en-US"/>
+          </a:p>
+        </p:txBody>
+      </p:sp>
+      <p:sp>
+        <p:nvSpPr>
+          <p:cNvPr id="7" name="직사각형 6"/>
+          <p:cNvSpPr/>
+          <p:nvPr/>
+        </p:nvSpPr>
+        <p:spPr>
+          <a:xfrm>
+            <a:off x="4443413" y="1781175"/>
+            <a:ext cx="3305175" cy="3295650"/>
+          </a:xfrm>
+          <a:prstGeom prst="rect">
+            <a:avLst/>
+          </a:prstGeom>
+          <a:noFill/>
+          <a:ln>
+            <a:solidFill>
+              <a:srgbClr val="DCAC37"/>
+            </a:solidFill>
+          </a:ln>
+        </p:spPr>
+        <p:style>
+          <a:lnRef idx="2">
+            <a:schemeClr val="accent1">
+              <a:shade val="50000"/>
+            </a:schemeClr>
+          </a:lnRef>
+          <a:fillRef idx="1">
+            <a:schemeClr val="accent1"/>
+          </a:fillRef>
+          <a:effectRef idx="0">
+            <a:schemeClr val="accent1"/>
+          </a:effectRef>
+          <a:fontRef idx="minor">
+            <a:schemeClr val="lt1"/>
+          </a:fontRef>
+        </p:style>
+        <p:txBody>
+          <a:bodyPr rtlCol="0" anchor="ctr"/>
+          <a:lstStyle/>
+          <a:p>
+            <a:pPr algn="ctr"/>
+            <a:endParaRPr lang="ko-KR" altLang="en-US"/>
+          </a:p>
+        </p:txBody>
+      </p:sp>
+      <p:sp>
+        <p:nvSpPr>
+          <p:cNvPr id="10" name="TextBox 9">
+            <a:extLst>
+              <a:ext uri="{FF2B5EF4-FFF2-40B4-BE49-F238E27FC236}">
+                <a16:creationId xmlns:a16="http://schemas.microsoft.com/office/drawing/2014/main" id="{9D1A08FC-B24C-4412-B89C-BEBC730739D7}"/>
+              </a:ext>
+            </a:extLst>
+          </p:cNvPr>
+          <p:cNvSpPr txBox="1"/>
+          <p:nvPr/>
+        </p:nvSpPr>
+        <p:spPr>
+          <a:xfrm>
+            <a:off x="5334411" y="3198167"/>
+            <a:ext cx="1523174" cy="461665"/>
+          </a:xfrm>
+          <a:prstGeom prst="rect">
+            <a:avLst/>
+          </a:prstGeom>
+          <a:noFill/>
+        </p:spPr>
+        <p:txBody>
+          <a:bodyPr wrap="none" rtlCol="0">
+            <a:spAutoFit/>
+          </a:bodyPr>
+          <a:lstStyle/>
+          <a:p>
+            <a:pPr algn="ctr"/>
+            <a:r>
+              <a:rPr lang="ko-KR" altLang="en-US" sz="2400" dirty="0">
+                <a:solidFill>
+                  <a:schemeClr val="bg1">
+                    <a:lumMod val="85000"/>
+                  </a:schemeClr>
+                </a:solidFill>
+                <a:latin typeface="KoPubWorld돋움체 Bold" panose="00000800000000000000" pitchFamily="2" charset="-127"/>
+                <a:ea typeface="KoPubWorld돋움체 Bold" panose="00000800000000000000" pitchFamily="2" charset="-127"/>
+                <a:cs typeface="KoPubWorld돋움체 Bold" panose="00000800000000000000" pitchFamily="2" charset="-127"/>
+              </a:rPr>
+              <a:t>감사합니다</a:t>
+            </a:r>
+            <a:endParaRPr lang="en-US" altLang="ko-KR" sz="2400" dirty="0">
+              <a:solidFill>
+                <a:schemeClr val="bg1">
+                  <a:lumMod val="85000"/>
+                </a:schemeClr>
+              </a:solidFill>
+              <a:latin typeface="KoPubWorld돋움체 Bold" panose="00000800000000000000" pitchFamily="2" charset="-127"/>
+              <a:ea typeface="KoPubWorld돋움체 Bold" panose="00000800000000000000" pitchFamily="2" charset="-127"/>
+              <a:cs typeface="KoPubWorld돋움체 Bold" panose="00000800000000000000" pitchFamily="2" charset="-127"/>
+            </a:endParaRPr>
+          </a:p>
+        </p:txBody>
+      </p:sp>
+    </p:spTree>
+    <p:extLst>
+      <p:ext uri="{BB962C8B-B14F-4D97-AF65-F5344CB8AC3E}">
+        <p14:creationId xmlns:p14="http://schemas.microsoft.com/office/powerpoint/2010/main" val="3746785883"/>
       </p:ext>
     </p:extLst>
   </p:cSld>
